--- a/PHQ9Analysis_Project1.pptx
+++ b/PHQ9Analysis_Project1.pptx
@@ -222,7 +222,7 @@
           <a:p>
             <a:fld id="{C8D18E60-4300-4729-A0D7-6AB984C3922D}" type="datetimeFigureOut">
               <a:rPr lang="en-US" smtClean="0"/>
-              <a:t>11/4/23</a:t>
+              <a:t>11/5/23</a:t>
             </a:fld>
             <a:endParaRPr lang="en-US"/>
           </a:p>
@@ -708,7 +708,7 @@
             <a:fld id="{53074F12-AA26-4AC8-9962-C36BB8F32554}" type="datetimeFigureOut">
               <a:rPr lang="en-US" smtClean="0"/>
               <a:pPr/>
-              <a:t>11/4/23</a:t>
+              <a:t>11/5/23</a:t>
             </a:fld>
             <a:endParaRPr lang="en-US"/>
           </a:p>
@@ -962,7 +962,7 @@
             <a:fld id="{53074F12-AA26-4AC8-9962-C36BB8F32554}" type="datetimeFigureOut">
               <a:rPr lang="en-US" smtClean="0"/>
               <a:pPr/>
-              <a:t>11/4/23</a:t>
+              <a:t>11/5/23</a:t>
             </a:fld>
             <a:endParaRPr lang="en-US"/>
           </a:p>
@@ -1132,7 +1132,7 @@
             <a:fld id="{53074F12-AA26-4AC8-9962-C36BB8F32554}" type="datetimeFigureOut">
               <a:rPr lang="en-US" smtClean="0"/>
               <a:pPr/>
-              <a:t>11/4/23</a:t>
+              <a:t>11/5/23</a:t>
             </a:fld>
             <a:endParaRPr lang="en-US"/>
           </a:p>
@@ -1312,7 +1312,7 @@
             <a:fld id="{53074F12-AA26-4AC8-9962-C36BB8F32554}" type="datetimeFigureOut">
               <a:rPr lang="en-US" smtClean="0"/>
               <a:pPr/>
-              <a:t>11/4/23</a:t>
+              <a:t>11/5/23</a:t>
             </a:fld>
             <a:endParaRPr lang="en-US"/>
           </a:p>
@@ -1594,7 +1594,7 @@
             <a:fld id="{53074F12-AA26-4AC8-9962-C36BB8F32554}" type="datetimeFigureOut">
               <a:rPr lang="en-US" smtClean="0"/>
               <a:pPr/>
-              <a:t>11/4/23</a:t>
+              <a:t>11/5/23</a:t>
             </a:fld>
             <a:endParaRPr lang="en-US"/>
           </a:p>
@@ -1841,7 +1841,7 @@
             <a:fld id="{53074F12-AA26-4AC8-9962-C36BB8F32554}" type="datetimeFigureOut">
               <a:rPr lang="en-US" smtClean="0"/>
               <a:pPr/>
-              <a:t>11/4/23</a:t>
+              <a:t>11/5/23</a:t>
             </a:fld>
             <a:endParaRPr lang="en-US"/>
           </a:p>
@@ -2088,7 +2088,7 @@
             <a:fld id="{53074F12-AA26-4AC8-9962-C36BB8F32554}" type="datetimeFigureOut">
               <a:rPr lang="en-US" smtClean="0"/>
               <a:pPr/>
-              <a:t>11/4/23</a:t>
+              <a:t>11/5/23</a:t>
             </a:fld>
             <a:endParaRPr lang="en-US"/>
           </a:p>
@@ -2375,7 +2375,7 @@
             <a:fld id="{53074F12-AA26-4AC8-9962-C36BB8F32554}" type="datetimeFigureOut">
               <a:rPr lang="en-US" smtClean="0"/>
               <a:pPr/>
-              <a:t>11/4/23</a:t>
+              <a:t>11/5/23</a:t>
             </a:fld>
             <a:endParaRPr lang="en-US"/>
           </a:p>
@@ -2862,7 +2862,7 @@
             <a:fld id="{53074F12-AA26-4AC8-9962-C36BB8F32554}" type="datetimeFigureOut">
               <a:rPr lang="en-US" smtClean="0"/>
               <a:pPr/>
-              <a:t>11/4/23</a:t>
+              <a:t>11/5/23</a:t>
             </a:fld>
             <a:endParaRPr lang="en-US"/>
           </a:p>
@@ -2981,7 +2981,7 @@
             <a:fld id="{53074F12-AA26-4AC8-9962-C36BB8F32554}" type="datetimeFigureOut">
               <a:rPr lang="en-US" smtClean="0"/>
               <a:pPr/>
-              <a:t>11/4/23</a:t>
+              <a:t>11/5/23</a:t>
             </a:fld>
             <a:endParaRPr lang="en-US"/>
           </a:p>
@@ -3078,7 +3078,7 @@
             <a:fld id="{53074F12-AA26-4AC8-9962-C36BB8F32554}" type="datetimeFigureOut">
               <a:rPr lang="en-US" smtClean="0"/>
               <a:pPr/>
-              <a:t>11/4/23</a:t>
+              <a:t>11/5/23</a:t>
             </a:fld>
             <a:endParaRPr lang="en-US"/>
           </a:p>
@@ -3355,7 +3355,7 @@
             <a:fld id="{53074F12-AA26-4AC8-9962-C36BB8F32554}" type="datetimeFigureOut">
               <a:rPr lang="en-US" smtClean="0"/>
               <a:pPr/>
-              <a:t>11/4/23</a:t>
+              <a:t>11/5/23</a:t>
             </a:fld>
             <a:endParaRPr lang="en-US"/>
           </a:p>
@@ -3577,7 +3577,7 @@
             <a:fld id="{53074F12-AA26-4AC8-9962-C36BB8F32554}" type="datetimeFigureOut">
               <a:rPr lang="en-US" smtClean="0"/>
               <a:pPr/>
-              <a:t>11/4/23</a:t>
+              <a:t>11/5/23</a:t>
             </a:fld>
             <a:endParaRPr lang="en-US"/>
           </a:p>
@@ -4315,13 +4315,13 @@
   <p:clrMapOvr>
     <a:masterClrMapping/>
   </p:clrMapOvr>
-  <mc:AlternateContent xmlns:mc="http://schemas.openxmlformats.org/markup-compatibility/2006">
-    <mc:Choice xmlns:p159="http://schemas.microsoft.com/office/powerpoint/2015/09/main" Requires="p159">
+  <mc:AlternateContent xmlns:mc="http://schemas.openxmlformats.org/markup-compatibility/2006" xmlns:p159="http://schemas.microsoft.com/office/powerpoint/2015/09/main">
+    <mc:Choice Requires="p159">
       <p:transition xmlns:p14="http://schemas.microsoft.com/office/powerpoint/2010/main" spd="slow" p14:dur="2000">
         <p159:morph option="byObject"/>
       </p:transition>
     </mc:Choice>
-    <mc:Fallback>
+    <mc:Fallback xmlns="">
       <p:transition spd="slow">
         <p:fade/>
       </p:transition>
@@ -4616,13 +4616,13 @@
   <p:clrMapOvr>
     <a:masterClrMapping/>
   </p:clrMapOvr>
-  <mc:AlternateContent xmlns:mc="http://schemas.openxmlformats.org/markup-compatibility/2006">
-    <mc:Choice xmlns:p159="http://schemas.microsoft.com/office/powerpoint/2015/09/main" Requires="p159">
+  <mc:AlternateContent xmlns:mc="http://schemas.openxmlformats.org/markup-compatibility/2006" xmlns:p159="http://schemas.microsoft.com/office/powerpoint/2015/09/main">
+    <mc:Choice Requires="p159">
       <p:transition xmlns:p14="http://schemas.microsoft.com/office/powerpoint/2010/main" spd="slow" p14:dur="2000">
         <p159:morph option="byObject"/>
       </p:transition>
     </mc:Choice>
-    <mc:Fallback>
+    <mc:Fallback xmlns="">
       <p:transition spd="slow">
         <p:fade/>
       </p:transition>
@@ -4738,13 +4738,13 @@
   <p:clrMapOvr>
     <a:masterClrMapping/>
   </p:clrMapOvr>
-  <mc:AlternateContent xmlns:mc="http://schemas.openxmlformats.org/markup-compatibility/2006">
-    <mc:Choice xmlns:p159="http://schemas.microsoft.com/office/powerpoint/2015/09/main" Requires="p159">
+  <mc:AlternateContent xmlns:mc="http://schemas.openxmlformats.org/markup-compatibility/2006" xmlns:p159="http://schemas.microsoft.com/office/powerpoint/2015/09/main">
+    <mc:Choice Requires="p159">
       <p:transition xmlns:p14="http://schemas.microsoft.com/office/powerpoint/2010/main" spd="slow" p14:dur="2000">
         <p159:morph option="byObject"/>
       </p:transition>
     </mc:Choice>
-    <mc:Fallback>
+    <mc:Fallback xmlns="">
       <p:transition spd="slow">
         <p:fade/>
       </p:transition>
@@ -4875,13 +4875,13 @@
   <p:clrMapOvr>
     <a:masterClrMapping/>
   </p:clrMapOvr>
-  <mc:AlternateContent xmlns:mc="http://schemas.openxmlformats.org/markup-compatibility/2006">
-    <mc:Choice xmlns:p159="http://schemas.microsoft.com/office/powerpoint/2015/09/main" Requires="p159">
+  <mc:AlternateContent xmlns:mc="http://schemas.openxmlformats.org/markup-compatibility/2006" xmlns:p159="http://schemas.microsoft.com/office/powerpoint/2015/09/main">
+    <mc:Choice Requires="p159">
       <p:transition xmlns:p14="http://schemas.microsoft.com/office/powerpoint/2010/main" spd="slow" p14:dur="2000">
         <p159:morph option="byObject"/>
       </p:transition>
     </mc:Choice>
-    <mc:Fallback>
+    <mc:Fallback xmlns="">
       <p:transition spd="slow">
         <p:fade/>
       </p:transition>
@@ -4991,13 +4991,13 @@
   <p:clrMapOvr>
     <a:masterClrMapping/>
   </p:clrMapOvr>
-  <mc:AlternateContent xmlns:mc="http://schemas.openxmlformats.org/markup-compatibility/2006">
-    <mc:Choice xmlns:p159="http://schemas.microsoft.com/office/powerpoint/2015/09/main" Requires="p159">
+  <mc:AlternateContent xmlns:mc="http://schemas.openxmlformats.org/markup-compatibility/2006" xmlns:p159="http://schemas.microsoft.com/office/powerpoint/2015/09/main">
+    <mc:Choice Requires="p159">
       <p:transition xmlns:p14="http://schemas.microsoft.com/office/powerpoint/2010/main" spd="slow" p14:dur="2000">
         <p159:morph option="byObject"/>
       </p:transition>
     </mc:Choice>
-    <mc:Fallback>
+    <mc:Fallback xmlns="">
       <p:transition spd="slow">
         <p:fade/>
       </p:transition>
@@ -5051,8 +5051,51 @@
                   <a:srgbClr val="002060"/>
                 </a:solidFill>
               </a:rPr>
-              <a:t>Conclusions</a:t>
-            </a:r>
+              <a:t>Analysis Conclusions</a:t>
+            </a:r>
+            <a:endParaRPr lang="en-US" dirty="0"/>
+          </a:p>
+        </p:txBody>
+      </p:sp>
+      <p:sp>
+        <p:nvSpPr>
+          <p:cNvPr id="4" name="TextBox 3">
+            <a:extLst>
+              <a:ext uri="{FF2B5EF4-FFF2-40B4-BE49-F238E27FC236}">
+                <a16:creationId xmlns:a16="http://schemas.microsoft.com/office/drawing/2014/main" id="{D46F5644-CD36-E0F6-4F87-6575222C6F27}"/>
+              </a:ext>
+            </a:extLst>
+          </p:cNvPr>
+          <p:cNvSpPr txBox="1"/>
+          <p:nvPr/>
+        </p:nvSpPr>
+        <p:spPr>
+          <a:xfrm>
+            <a:off x="818984" y="1757238"/>
+            <a:ext cx="473206" cy="646331"/>
+          </a:xfrm>
+          <a:prstGeom prst="rect">
+            <a:avLst/>
+          </a:prstGeom>
+          <a:noFill/>
+        </p:spPr>
+        <p:txBody>
+          <a:bodyPr wrap="none" rtlCol="0">
+            <a:spAutoFit/>
+          </a:bodyPr>
+          <a:lstStyle/>
+          <a:p>
+            <a:pPr marL="285750" indent="-285750">
+              <a:buFont typeface="Arial" panose="020B0604020202020204" pitchFamily="34" charset="0"/>
+              <a:buChar char="•"/>
+            </a:pPr>
+            <a:endParaRPr lang="en-US" dirty="0"/>
+          </a:p>
+          <a:p>
+            <a:pPr marL="285750" indent="-285750">
+              <a:buFont typeface="Arial" panose="020B0604020202020204" pitchFamily="34" charset="0"/>
+              <a:buChar char="•"/>
+            </a:pPr>
             <a:endParaRPr lang="en-US" dirty="0"/>
           </a:p>
         </p:txBody>
@@ -5198,6 +5241,9 @@
               </a:rPr>
               <a:t>https://med.stanford.edu/fastlab/research/imapp/msrs/_jcr_content/main/accordion/accordion_content3/download_256324296/file.res/PHQ9%20id%20date%2008.03.pdf</a:t>
             </a:r>
+            <a:endParaRPr lang="en-US" sz="1800" dirty="0"/>
+          </a:p>
+          <a:p>
             <a:endParaRPr lang="en-US" sz="1800" dirty="0"/>
           </a:p>
           <a:p>
@@ -5683,13 +5729,13 @@
   <p:clrMapOvr>
     <a:masterClrMapping/>
   </p:clrMapOvr>
-  <mc:AlternateContent xmlns:mc="http://schemas.openxmlformats.org/markup-compatibility/2006">
-    <mc:Choice xmlns:p159="http://schemas.microsoft.com/office/powerpoint/2015/09/main" Requires="p159">
+  <mc:AlternateContent xmlns:mc="http://schemas.openxmlformats.org/markup-compatibility/2006" xmlns:p159="http://schemas.microsoft.com/office/powerpoint/2015/09/main">
+    <mc:Choice Requires="p159">
       <p:transition xmlns:p14="http://schemas.microsoft.com/office/powerpoint/2010/main" spd="slow" p14:dur="2000">
         <p159:morph option="byObject"/>
       </p:transition>
     </mc:Choice>
-    <mc:Fallback>
+    <mc:Fallback xmlns="">
       <p:transition spd="slow">
         <p:fade/>
       </p:transition>
@@ -5790,13 +5836,13 @@
   <p:clrMapOvr>
     <a:masterClrMapping/>
   </p:clrMapOvr>
-  <mc:AlternateContent xmlns:mc="http://schemas.openxmlformats.org/markup-compatibility/2006">
-    <mc:Choice xmlns:p159="http://schemas.microsoft.com/office/powerpoint/2015/09/main" Requires="p159">
+  <mc:AlternateContent xmlns:mc="http://schemas.openxmlformats.org/markup-compatibility/2006" xmlns:p159="http://schemas.microsoft.com/office/powerpoint/2015/09/main">
+    <mc:Choice Requires="p159">
       <p:transition xmlns:p14="http://schemas.microsoft.com/office/powerpoint/2010/main" spd="slow" p14:dur="2000">
         <p159:morph option="byObject"/>
       </p:transition>
     </mc:Choice>
-    <mc:Fallback>
+    <mc:Fallback xmlns="">
       <p:transition spd="slow">
         <p:fade/>
       </p:transition>
@@ -5899,13 +5945,13 @@
   <p:clrMapOvr>
     <a:masterClrMapping/>
   </p:clrMapOvr>
-  <mc:AlternateContent xmlns:mc="http://schemas.openxmlformats.org/markup-compatibility/2006">
-    <mc:Choice xmlns:p159="http://schemas.microsoft.com/office/powerpoint/2015/09/main" Requires="p159">
+  <mc:AlternateContent xmlns:mc="http://schemas.openxmlformats.org/markup-compatibility/2006" xmlns:p159="http://schemas.microsoft.com/office/powerpoint/2015/09/main">
+    <mc:Choice Requires="p159">
       <p:transition xmlns:p14="http://schemas.microsoft.com/office/powerpoint/2010/main" spd="slow" p14:dur="2000">
         <p159:morph option="byObject"/>
       </p:transition>
     </mc:Choice>
-    <mc:Fallback>
+    <mc:Fallback xmlns="">
       <p:transition spd="slow">
         <p:fade/>
       </p:transition>
@@ -6005,13 +6051,13 @@
   <p:clrMapOvr>
     <a:masterClrMapping/>
   </p:clrMapOvr>
-  <mc:AlternateContent xmlns:mc="http://schemas.openxmlformats.org/markup-compatibility/2006">
-    <mc:Choice xmlns:p159="http://schemas.microsoft.com/office/powerpoint/2015/09/main" Requires="p159">
+  <mc:AlternateContent xmlns:mc="http://schemas.openxmlformats.org/markup-compatibility/2006" xmlns:p159="http://schemas.microsoft.com/office/powerpoint/2015/09/main">
+    <mc:Choice Requires="p159">
       <p:transition xmlns:p14="http://schemas.microsoft.com/office/powerpoint/2010/main" spd="slow" p14:dur="2000">
         <p159:morph option="byObject"/>
       </p:transition>
     </mc:Choice>
-    <mc:Fallback>
+    <mc:Fallback xmlns="">
       <p:transition spd="slow">
         <p:fade/>
       </p:transition>
@@ -6114,13 +6160,13 @@
   <p:clrMapOvr>
     <a:masterClrMapping/>
   </p:clrMapOvr>
-  <mc:AlternateContent xmlns:mc="http://schemas.openxmlformats.org/markup-compatibility/2006">
-    <mc:Choice xmlns:p159="http://schemas.microsoft.com/office/powerpoint/2015/09/main" Requires="p159">
+  <mc:AlternateContent xmlns:mc="http://schemas.openxmlformats.org/markup-compatibility/2006" xmlns:p159="http://schemas.microsoft.com/office/powerpoint/2015/09/main">
+    <mc:Choice Requires="p159">
       <p:transition xmlns:p14="http://schemas.microsoft.com/office/powerpoint/2010/main" spd="slow" p14:dur="2000">
         <p159:morph option="byObject"/>
       </p:transition>
     </mc:Choice>
-    <mc:Fallback>
+    <mc:Fallback xmlns="">
       <p:transition spd="slow">
         <p:fade/>
       </p:transition>
@@ -6323,13 +6369,13 @@
   <p:clrMapOvr>
     <a:masterClrMapping/>
   </p:clrMapOvr>
-  <mc:AlternateContent xmlns:mc="http://schemas.openxmlformats.org/markup-compatibility/2006">
-    <mc:Choice xmlns:p159="http://schemas.microsoft.com/office/powerpoint/2015/09/main" Requires="p159">
+  <mc:AlternateContent xmlns:mc="http://schemas.openxmlformats.org/markup-compatibility/2006" xmlns:p159="http://schemas.microsoft.com/office/powerpoint/2015/09/main">
+    <mc:Choice Requires="p159">
       <p:transition xmlns:p14="http://schemas.microsoft.com/office/powerpoint/2010/main" spd="slow" p14:dur="2000">
         <p159:morph option="byObject"/>
       </p:transition>
     </mc:Choice>
-    <mc:Fallback>
+    <mc:Fallback xmlns="">
       <p:transition spd="slow">
         <p:fade/>
       </p:transition>
@@ -6424,13 +6470,13 @@
   <p:clrMapOvr>
     <a:masterClrMapping/>
   </p:clrMapOvr>
-  <mc:AlternateContent xmlns:mc="http://schemas.openxmlformats.org/markup-compatibility/2006">
-    <mc:Choice xmlns:p159="http://schemas.microsoft.com/office/powerpoint/2015/09/main" Requires="p159">
+  <mc:AlternateContent xmlns:mc="http://schemas.openxmlformats.org/markup-compatibility/2006" xmlns:p159="http://schemas.microsoft.com/office/powerpoint/2015/09/main">
+    <mc:Choice Requires="p159">
       <p:transition xmlns:p14="http://schemas.microsoft.com/office/powerpoint/2010/main" spd="slow" p14:dur="2000">
         <p159:morph option="byObject"/>
       </p:transition>
     </mc:Choice>
-    <mc:Fallback>
+    <mc:Fallback xmlns="">
       <p:transition spd="slow">
         <p:fade/>
       </p:transition>

--- a/PHQ9Analysis_Project1.pptx
+++ b/PHQ9Analysis_Project1.pptx
@@ -5051,7 +5051,7 @@
                   <a:srgbClr val="002060"/>
                 </a:solidFill>
               </a:rPr>
-              <a:t>Analysis Conclusions</a:t>
+              <a:t>Analysis  Conclusions</a:t>
             </a:r>
             <a:endParaRPr lang="en-US" dirty="0"/>
           </a:p>

--- a/PHQ9Analysis_Project1.pptx
+++ b/PHQ9Analysis_Project1.pptx
@@ -5046,12 +5046,12 @@
           <a:p>
             <a:pPr algn="l"/>
             <a:r>
-              <a:rPr lang="en-US" b="1" dirty="0">
+              <a:rPr lang="en-US" b="1">
                 <a:solidFill>
                   <a:srgbClr val="002060"/>
                 </a:solidFill>
               </a:rPr>
-              <a:t>Analysis  Conclusions</a:t>
+              <a:t>Analysis Conclusions</a:t>
             </a:r>
             <a:endParaRPr lang="en-US" dirty="0"/>
           </a:p>

--- a/PHQ9Analysis_Project1.pptx
+++ b/PHQ9Analysis_Project1.pptx
@@ -5,7 +5,7 @@
     <p:sldMasterId id="2147483648" r:id="rId1"/>
   </p:sldMasterIdLst>
   <p:notesMasterIdLst>
-    <p:notesMasterId r:id="rId17"/>
+    <p:notesMasterId r:id="rId19"/>
   </p:notesMasterIdLst>
   <p:sldIdLst>
     <p:sldId id="256" r:id="rId2"/>
@@ -14,15 +14,17 @@
     <p:sldId id="259" r:id="rId5"/>
     <p:sldId id="265" r:id="rId6"/>
     <p:sldId id="266" r:id="rId7"/>
-    <p:sldId id="267" r:id="rId8"/>
-    <p:sldId id="261" r:id="rId9"/>
-    <p:sldId id="270" r:id="rId10"/>
-    <p:sldId id="263" r:id="rId11"/>
-    <p:sldId id="269" r:id="rId12"/>
-    <p:sldId id="268" r:id="rId13"/>
+    <p:sldId id="270" r:id="rId8"/>
+    <p:sldId id="268" r:id="rId9"/>
+    <p:sldId id="261" r:id="rId10"/>
+    <p:sldId id="276" r:id="rId11"/>
+    <p:sldId id="263" r:id="rId12"/>
+    <p:sldId id="269" r:id="rId13"/>
     <p:sldId id="271" r:id="rId14"/>
-    <p:sldId id="273" r:id="rId15"/>
-    <p:sldId id="272" r:id="rId16"/>
+    <p:sldId id="274" r:id="rId15"/>
+    <p:sldId id="275" r:id="rId16"/>
+    <p:sldId id="273" r:id="rId17"/>
+    <p:sldId id="272" r:id="rId18"/>
   </p:sldIdLst>
   <p:sldSz cx="9144000" cy="5143500" type="screen16x9"/>
   <p:notesSz cx="6858000" cy="9144000"/>
@@ -767,6 +769,9 @@
   <p:clrMapOvr>
     <a:masterClrMapping/>
   </p:clrMapOvr>
+  <p:transition spd="slow">
+    <p:wipe/>
+  </p:transition>
 </p:sldLayout>
 </file>
 
@@ -1021,6 +1026,9 @@
   <p:clrMapOvr>
     <a:masterClrMapping/>
   </p:clrMapOvr>
+  <p:transition spd="slow">
+    <p:wipe/>
+  </p:transition>
 </p:sldLayout>
 </file>
 
@@ -1191,6 +1199,9 @@
   <p:clrMapOvr>
     <a:masterClrMapping/>
   </p:clrMapOvr>
+  <p:transition spd="slow">
+    <p:wipe/>
+  </p:transition>
 </p:sldLayout>
 </file>
 
@@ -1420,6 +1431,9 @@
   <p:clrMapOvr>
     <a:masterClrMapping/>
   </p:clrMapOvr>
+  <p:transition spd="slow">
+    <p:wipe/>
+  </p:transition>
 </p:sldLayout>
 </file>
 
@@ -1653,6 +1667,9 @@
   <p:clrMapOvr>
     <a:masterClrMapping/>
   </p:clrMapOvr>
+  <p:transition spd="slow">
+    <p:wipe/>
+  </p:transition>
 </p:sldLayout>
 </file>
 
@@ -1900,6 +1917,9 @@
   <p:clrMapOvr>
     <a:masterClrMapping/>
   </p:clrMapOvr>
+  <p:transition spd="slow">
+    <p:wipe/>
+  </p:transition>
 </p:sldLayout>
 </file>
 
@@ -2147,6 +2167,9 @@
   <p:clrMapOvr>
     <a:masterClrMapping/>
   </p:clrMapOvr>
+  <p:transition spd="slow">
+    <p:wipe/>
+  </p:transition>
 </p:sldLayout>
 </file>
 
@@ -2434,6 +2457,9 @@
   <p:clrMapOvr>
     <a:masterClrMapping/>
   </p:clrMapOvr>
+  <p:transition spd="slow">
+    <p:wipe/>
+  </p:transition>
 </p:sldLayout>
 </file>
 
@@ -2921,6 +2947,9 @@
   <p:clrMapOvr>
     <a:masterClrMapping/>
   </p:clrMapOvr>
+  <p:transition spd="slow">
+    <p:wipe/>
+  </p:transition>
 </p:sldLayout>
 </file>
 
@@ -3040,6 +3069,9 @@
   <p:clrMapOvr>
     <a:masterClrMapping/>
   </p:clrMapOvr>
+  <p:transition spd="slow">
+    <p:wipe/>
+  </p:transition>
 </p:sldLayout>
 </file>
 
@@ -3137,6 +3169,9 @@
   <p:clrMapOvr>
     <a:masterClrMapping/>
   </p:clrMapOvr>
+  <p:transition spd="slow">
+    <p:wipe/>
+  </p:transition>
 </p:sldLayout>
 </file>
 
@@ -3414,6 +3449,9 @@
   <p:clrMapOvr>
     <a:masterClrMapping/>
   </p:clrMapOvr>
+  <p:transition spd="slow">
+    <p:wipe/>
+  </p:transition>
 </p:sldLayout>
 </file>
 
@@ -3737,6 +3775,9 @@
     <p:sldLayoutId id="2147483658" r:id="rId11"/>
     <p:sldLayoutId id="2147483659" r:id="rId12"/>
   </p:sldLayoutIdLst>
+  <p:transition spd="slow">
+    <p:wipe/>
+  </p:transition>
   <p:txStyles>
     <p:titleStyle>
       <a:lvl1pPr algn="ctr" defTabSz="914400" rtl="0" eaLnBrk="1" latinLnBrk="0" hangingPunct="1">
@@ -4315,203 +4356,9 @@
   <p:clrMapOvr>
     <a:masterClrMapping/>
   </p:clrMapOvr>
-  <mc:AlternateContent xmlns:mc="http://schemas.openxmlformats.org/markup-compatibility/2006" xmlns:p159="http://schemas.microsoft.com/office/powerpoint/2015/09/main">
-    <mc:Choice Requires="p159">
-      <p:transition xmlns:p14="http://schemas.microsoft.com/office/powerpoint/2010/main" spd="slow" p14:dur="2000">
-        <p159:morph option="byObject"/>
-      </p:transition>
-    </mc:Choice>
-    <mc:Fallback xmlns="">
-      <p:transition spd="slow">
-        <p:fade/>
-      </p:transition>
-    </mc:Fallback>
-  </mc:AlternateContent>
-  <p:timing>
-    <p:tnLst>
-      <p:par>
-        <p:cTn id="1" dur="indefinite" restart="never" nodeType="tmRoot">
-          <p:childTnLst>
-            <p:seq concurrent="1" nextAc="seek">
-              <p:cTn id="2" dur="indefinite" nodeType="mainSeq">
-                <p:childTnLst>
-                  <p:par>
-                    <p:cTn id="3" fill="hold">
-                      <p:stCondLst>
-                        <p:cond delay="indefinite"/>
-                      </p:stCondLst>
-                      <p:childTnLst>
-                        <p:par>
-                          <p:cTn id="4" fill="hold">
-                            <p:stCondLst>
-                              <p:cond delay="0"/>
-                            </p:stCondLst>
-                            <p:childTnLst>
-                              <p:par>
-                                <p:cTn id="5" presetID="2" presetClass="entr" presetSubtype="4" fill="hold" grpId="0" nodeType="clickEffect">
-                                  <p:stCondLst>
-                                    <p:cond delay="0"/>
-                                  </p:stCondLst>
-                                  <p:childTnLst>
-                                    <p:set>
-                                      <p:cBhvr>
-                                        <p:cTn id="6" dur="1" fill="hold">
-                                          <p:stCondLst>
-                                            <p:cond delay="0"/>
-                                          </p:stCondLst>
-                                        </p:cTn>
-                                        <p:tgtEl>
-                                          <p:spTgt spid="2"/>
-                                        </p:tgtEl>
-                                        <p:attrNameLst>
-                                          <p:attrName>style.visibility</p:attrName>
-                                        </p:attrNameLst>
-                                      </p:cBhvr>
-                                      <p:to>
-                                        <p:strVal val="visible"/>
-                                      </p:to>
-                                    </p:set>
-                                    <p:anim calcmode="lin" valueType="num">
-                                      <p:cBhvr additive="base">
-                                        <p:cTn id="7" dur="500" fill="hold"/>
-                                        <p:tgtEl>
-                                          <p:spTgt spid="2"/>
-                                        </p:tgtEl>
-                                        <p:attrNameLst>
-                                          <p:attrName>ppt_x</p:attrName>
-                                        </p:attrNameLst>
-                                      </p:cBhvr>
-                                      <p:tavLst>
-                                        <p:tav tm="0">
-                                          <p:val>
-                                            <p:strVal val="#ppt_x"/>
-                                          </p:val>
-                                        </p:tav>
-                                        <p:tav tm="100000">
-                                          <p:val>
-                                            <p:strVal val="#ppt_x"/>
-                                          </p:val>
-                                        </p:tav>
-                                      </p:tavLst>
-                                    </p:anim>
-                                    <p:anim calcmode="lin" valueType="num">
-                                      <p:cBhvr additive="base">
-                                        <p:cTn id="8" dur="500" fill="hold"/>
-                                        <p:tgtEl>
-                                          <p:spTgt spid="2"/>
-                                        </p:tgtEl>
-                                        <p:attrNameLst>
-                                          <p:attrName>ppt_y</p:attrName>
-                                        </p:attrNameLst>
-                                      </p:cBhvr>
-                                      <p:tavLst>
-                                        <p:tav tm="0">
-                                          <p:val>
-                                            <p:strVal val="1+#ppt_h/2"/>
-                                          </p:val>
-                                        </p:tav>
-                                        <p:tav tm="100000">
-                                          <p:val>
-                                            <p:strVal val="#ppt_y"/>
-                                          </p:val>
-                                        </p:tav>
-                                      </p:tavLst>
-                                    </p:anim>
-                                  </p:childTnLst>
-                                </p:cTn>
-                              </p:par>
-                            </p:childTnLst>
-                          </p:cTn>
-                        </p:par>
-                      </p:childTnLst>
-                    </p:cTn>
-                  </p:par>
-                  <p:par>
-                    <p:cTn id="9" fill="hold">
-                      <p:stCondLst>
-                        <p:cond delay="indefinite"/>
-                      </p:stCondLst>
-                      <p:childTnLst>
-                        <p:par>
-                          <p:cTn id="10" fill="hold">
-                            <p:stCondLst>
-                              <p:cond delay="0"/>
-                            </p:stCondLst>
-                            <p:childTnLst>
-                              <p:par>
-                                <p:cTn id="11" presetID="3" presetClass="entr" presetSubtype="10" fill="hold" nodeType="clickEffect">
-                                  <p:stCondLst>
-                                    <p:cond delay="0"/>
-                                  </p:stCondLst>
-                                  <p:childTnLst>
-                                    <p:set>
-                                      <p:cBhvr>
-                                        <p:cTn id="12" dur="1" fill="hold">
-                                          <p:stCondLst>
-                                            <p:cond delay="0"/>
-                                          </p:stCondLst>
-                                        </p:cTn>
-                                        <p:tgtEl>
-                                          <p:spTgt spid="3">
-                                            <p:txEl>
-                                              <p:pRg st="1" end="1"/>
-                                            </p:txEl>
-                                          </p:spTgt>
-                                        </p:tgtEl>
-                                        <p:attrNameLst>
-                                          <p:attrName>style.visibility</p:attrName>
-                                        </p:attrNameLst>
-                                      </p:cBhvr>
-                                      <p:to>
-                                        <p:strVal val="visible"/>
-                                      </p:to>
-                                    </p:set>
-                                    <p:animEffect transition="in" filter="blinds(horizontal)">
-                                      <p:cBhvr>
-                                        <p:cTn id="13" dur="500"/>
-                                        <p:tgtEl>
-                                          <p:spTgt spid="3">
-                                            <p:txEl>
-                                              <p:pRg st="1" end="1"/>
-                                            </p:txEl>
-                                          </p:spTgt>
-                                        </p:tgtEl>
-                                      </p:cBhvr>
-                                    </p:animEffect>
-                                  </p:childTnLst>
-                                </p:cTn>
-                              </p:par>
-                            </p:childTnLst>
-                          </p:cTn>
-                        </p:par>
-                      </p:childTnLst>
-                    </p:cTn>
-                  </p:par>
-                </p:childTnLst>
-              </p:cTn>
-              <p:prevCondLst>
-                <p:cond evt="onPrev" delay="0">
-                  <p:tgtEl>
-                    <p:sldTgt/>
-                  </p:tgtEl>
-                </p:cond>
-              </p:prevCondLst>
-              <p:nextCondLst>
-                <p:cond evt="onNext" delay="0">
-                  <p:tgtEl>
-                    <p:sldTgt/>
-                  </p:tgtEl>
-                </p:cond>
-              </p:nextCondLst>
-            </p:seq>
-          </p:childTnLst>
-        </p:cTn>
-      </p:par>
-    </p:tnLst>
-    <p:bldLst>
-      <p:bldP spid="2" grpId="0"/>
-    </p:bldLst>
-  </p:timing>
+  <p:transition spd="slow">
+    <p:wipe/>
+  </p:transition>
 </p:sld>
 </file>
 
@@ -4534,58 +4381,140 @@
       </p:grpSpPr>
       <p:sp>
         <p:nvSpPr>
-          <p:cNvPr id="2" name="Title 1">
+          <p:cNvPr id="4" name="Title 3"/>
+          <p:cNvSpPr>
+            <a:spLocks noGrp="1"/>
+          </p:cNvSpPr>
+          <p:nvPr>
+            <p:ph type="title"/>
+          </p:nvPr>
+        </p:nvSpPr>
+        <p:spPr>
+          <a:xfrm>
+            <a:off x="498968" y="-71269"/>
+            <a:ext cx="6865787" cy="763525"/>
+          </a:xfrm>
+        </p:spPr>
+        <p:txBody>
+          <a:bodyPr>
+            <a:noAutofit/>
+          </a:bodyPr>
+          <a:lstStyle/>
+          <a:p>
+            <a:r>
+              <a:rPr lang="en-US" sz="2800" dirty="0">
+                <a:solidFill>
+                  <a:srgbClr val="002060"/>
+                </a:solidFill>
+              </a:rPr>
+              <a:t>Total Scores Per Season</a:t>
+            </a:r>
+          </a:p>
+        </p:txBody>
+      </p:sp>
+      <p:sp>
+        <p:nvSpPr>
+          <p:cNvPr id="3" name="AutoShape 2">
             <a:extLst>
               <a:ext uri="{FF2B5EF4-FFF2-40B4-BE49-F238E27FC236}">
-                <a16:creationId xmlns:a16="http://schemas.microsoft.com/office/drawing/2014/main" id="{86113318-C900-2203-1CA9-9D05C229F670}"/>
+                <a16:creationId xmlns:a16="http://schemas.microsoft.com/office/drawing/2014/main" id="{DA5DA984-96CC-ED1D-27FC-1D7E37E6E8A5}"/>
               </a:ext>
             </a:extLst>
           </p:cNvPr>
           <p:cNvSpPr>
-            <a:spLocks noGrp="1"/>
-          </p:cNvSpPr>
-          <p:nvPr>
-            <p:ph type="title"/>
-          </p:nvPr>
-        </p:nvSpPr>
-        <p:spPr>
+            <a:spLocks noChangeAspect="1" noChangeArrowheads="1"/>
+          </p:cNvSpPr>
+          <p:nvPr/>
+        </p:nvSpPr>
+        <p:spPr bwMode="auto">
           <a:xfrm>
-            <a:off x="455613" y="281175"/>
-            <a:ext cx="6252670" cy="763525"/>
+            <a:off x="4419600" y="2419350"/>
+            <a:ext cx="304800" cy="304800"/>
           </a:xfrm>
+          <a:prstGeom prst="rect">
+            <a:avLst/>
+          </a:prstGeom>
+          <a:noFill/>
+          <a:extLst>
+            <a:ext uri="{909E8E84-426E-40DD-AFC4-6F175D3DCCD1}">
+              <a14:hiddenFill xmlns:a14="http://schemas.microsoft.com/office/drawing/2010/main">
+                <a:solidFill>
+                  <a:srgbClr val="FFFFFF"/>
+                </a:solidFill>
+              </a14:hiddenFill>
+            </a:ext>
+          </a:extLst>
         </p:spPr>
         <p:txBody>
-          <a:bodyPr>
-            <a:normAutofit fontScale="90000"/>
+          <a:bodyPr vert="horz" wrap="square" lIns="91440" tIns="45720" rIns="91440" bIns="45720" numCol="1" anchor="t" anchorCtr="0" compatLnSpc="1">
+            <a:prstTxWarp prst="textNoShape">
+              <a:avLst/>
+            </a:prstTxWarp>
           </a:bodyPr>
           <a:lstStyle/>
           <a:p>
-            <a:r>
-              <a:rPr lang="en-US" b="1" dirty="0">
-                <a:solidFill>
-                  <a:srgbClr val="002060"/>
-                </a:solidFill>
-              </a:rPr>
-              <a:t>Users Average Scores Per Season</a:t>
-            </a:r>
+            <a:endParaRPr lang="en-US"/>
+          </a:p>
+        </p:txBody>
+      </p:sp>
+      <p:sp>
+        <p:nvSpPr>
+          <p:cNvPr id="5" name="AutoShape 4">
+            <a:extLst>
+              <a:ext uri="{FF2B5EF4-FFF2-40B4-BE49-F238E27FC236}">
+                <a16:creationId xmlns:a16="http://schemas.microsoft.com/office/drawing/2014/main" id="{0B9BB726-3D43-AC80-98F2-07B95E50F6C6}"/>
+              </a:ext>
+            </a:extLst>
+          </p:cNvPr>
+          <p:cNvSpPr>
+            <a:spLocks noChangeAspect="1" noChangeArrowheads="1"/>
+          </p:cNvSpPr>
+          <p:nvPr/>
+        </p:nvSpPr>
+        <p:spPr bwMode="auto">
+          <a:xfrm>
+            <a:off x="4572000" y="2571750"/>
+            <a:ext cx="304800" cy="304800"/>
+          </a:xfrm>
+          <a:prstGeom prst="rect">
+            <a:avLst/>
+          </a:prstGeom>
+          <a:noFill/>
+          <a:extLst>
+            <a:ext uri="{909E8E84-426E-40DD-AFC4-6F175D3DCCD1}">
+              <a14:hiddenFill xmlns:a14="http://schemas.microsoft.com/office/drawing/2010/main">
+                <a:solidFill>
+                  <a:srgbClr val="FFFFFF"/>
+                </a:solidFill>
+              </a14:hiddenFill>
+            </a:ext>
+          </a:extLst>
+        </p:spPr>
+        <p:txBody>
+          <a:bodyPr vert="horz" wrap="square" lIns="91440" tIns="45720" rIns="91440" bIns="45720" numCol="1" anchor="t" anchorCtr="0" compatLnSpc="1">
+            <a:prstTxWarp prst="textNoShape">
+              <a:avLst/>
+            </a:prstTxWarp>
+          </a:bodyPr>
+          <a:lstStyle/>
+          <a:p>
+            <a:endParaRPr lang="en-US"/>
           </a:p>
         </p:txBody>
       </p:sp>
       <p:pic>
         <p:nvPicPr>
-          <p:cNvPr id="13" name="Content Placeholder 12">
+          <p:cNvPr id="7" name="Picture 6">
             <a:extLst>
               <a:ext uri="{FF2B5EF4-FFF2-40B4-BE49-F238E27FC236}">
-                <a16:creationId xmlns:a16="http://schemas.microsoft.com/office/drawing/2014/main" id="{F94EE513-1E97-8AAC-C0B7-30768D86565B}"/>
+                <a16:creationId xmlns:a16="http://schemas.microsoft.com/office/drawing/2014/main" id="{ABF10075-E3E9-425C-2AD7-D2FA26BF414C}"/>
               </a:ext>
             </a:extLst>
           </p:cNvPr>
           <p:cNvPicPr>
-            <a:picLocks noGrp="1" noChangeAspect="1"/>
+            <a:picLocks noChangeAspect="1"/>
           </p:cNvPicPr>
-          <p:nvPr>
-            <p:ph idx="1"/>
-          </p:nvPr>
+          <p:nvPr/>
         </p:nvPicPr>
         <p:blipFill>
           <a:blip r:embed="rId2">
@@ -4601,9 +4530,124 @@
         </p:blipFill>
         <p:spPr>
           <a:xfrm>
-            <a:off x="455613" y="1200801"/>
-            <a:ext cx="6559667" cy="3661524"/>
+            <a:off x="533400" y="687142"/>
+            <a:ext cx="7772400" cy="4378816"/>
           </a:xfrm>
+          <a:prstGeom prst="rect">
+            <a:avLst/>
+          </a:prstGeom>
+        </p:spPr>
+      </p:pic>
+    </p:spTree>
+    <p:extLst>
+      <p:ext uri="{BB962C8B-B14F-4D97-AF65-F5344CB8AC3E}">
+        <p14:creationId xmlns:p14="http://schemas.microsoft.com/office/powerpoint/2010/main" val="1447554296"/>
+      </p:ext>
+    </p:extLst>
+  </p:cSld>
+  <p:clrMapOvr>
+    <a:masterClrMapping/>
+  </p:clrMapOvr>
+  <p:transition spd="slow">
+    <p:wipe/>
+  </p:transition>
+</p:sld>
+</file>
+
+<file path=ppt/slides/slide11.xml><?xml version="1.0" encoding="utf-8"?>
+<p:sld xmlns:a="http://schemas.openxmlformats.org/drawingml/2006/main" xmlns:r="http://schemas.openxmlformats.org/officeDocument/2006/relationships" xmlns:p="http://schemas.openxmlformats.org/presentationml/2006/main">
+  <p:cSld>
+    <p:spTree>
+      <p:nvGrpSpPr>
+        <p:cNvPr id="1" name=""/>
+        <p:cNvGrpSpPr/>
+        <p:nvPr/>
+      </p:nvGrpSpPr>
+      <p:grpSpPr>
+        <a:xfrm>
+          <a:off x="0" y="0"/>
+          <a:ext cx="0" cy="0"/>
+          <a:chOff x="0" y="0"/>
+          <a:chExt cx="0" cy="0"/>
+        </a:xfrm>
+      </p:grpSpPr>
+      <p:sp>
+        <p:nvSpPr>
+          <p:cNvPr id="2" name="Title 1">
+            <a:extLst>
+              <a:ext uri="{FF2B5EF4-FFF2-40B4-BE49-F238E27FC236}">
+                <a16:creationId xmlns:a16="http://schemas.microsoft.com/office/drawing/2014/main" id="{86113318-C900-2203-1CA9-9D05C229F670}"/>
+              </a:ext>
+            </a:extLst>
+          </p:cNvPr>
+          <p:cNvSpPr>
+            <a:spLocks noGrp="1"/>
+          </p:cNvSpPr>
+          <p:nvPr>
+            <p:ph type="title"/>
+          </p:nvPr>
+        </p:nvSpPr>
+        <p:spPr>
+          <a:xfrm>
+            <a:off x="455612" y="156149"/>
+            <a:ext cx="7781308" cy="763525"/>
+          </a:xfrm>
+        </p:spPr>
+        <p:txBody>
+          <a:bodyPr>
+            <a:normAutofit fontScale="90000"/>
+          </a:bodyPr>
+          <a:lstStyle/>
+          <a:p>
+            <a:r>
+              <a:rPr lang="en-US" b="1" dirty="0">
+                <a:solidFill>
+                  <a:srgbClr val="002060"/>
+                </a:solidFill>
+              </a:rPr>
+              <a:t>Users Average Scores and User ID Per Season</a:t>
+            </a:r>
+          </a:p>
+        </p:txBody>
+      </p:sp>
+      <p:pic>
+        <p:nvPicPr>
+          <p:cNvPr id="13" name="Content Placeholder 12">
+            <a:extLst>
+              <a:ext uri="{FF2B5EF4-FFF2-40B4-BE49-F238E27FC236}">
+                <a16:creationId xmlns:a16="http://schemas.microsoft.com/office/drawing/2014/main" id="{F94EE513-1E97-8AAC-C0B7-30768D86565B}"/>
+              </a:ext>
+            </a:extLst>
+          </p:cNvPr>
+          <p:cNvPicPr>
+            <a:picLocks noGrp="1" noChangeAspect="1"/>
+          </p:cNvPicPr>
+          <p:nvPr>
+            <p:ph idx="1"/>
+          </p:nvPr>
+        </p:nvPicPr>
+        <p:blipFill>
+          <a:blip r:embed="rId2">
+            <a:extLst>
+              <a:ext uri="{28A0092B-C50C-407E-A947-70E740481C1C}">
+                <a14:useLocalDpi xmlns:a14="http://schemas.microsoft.com/office/drawing/2010/main" val="0"/>
+              </a:ext>
+            </a:extLst>
+          </a:blip>
+          <a:stretch>
+            <a:fillRect/>
+          </a:stretch>
+        </p:blipFill>
+        <p:spPr>
+          <a:xfrm>
+            <a:off x="455612" y="891996"/>
+            <a:ext cx="7170488" cy="4123034"/>
+          </a:xfrm>
+          <a:ln w="38100">
+            <a:solidFill>
+              <a:srgbClr val="002060"/>
+            </a:solidFill>
+          </a:ln>
         </p:spPr>
       </p:pic>
     </p:spTree>
@@ -4616,22 +4660,13 @@
   <p:clrMapOvr>
     <a:masterClrMapping/>
   </p:clrMapOvr>
-  <mc:AlternateContent xmlns:mc="http://schemas.openxmlformats.org/markup-compatibility/2006" xmlns:p159="http://schemas.microsoft.com/office/powerpoint/2015/09/main">
-    <mc:Choice Requires="p159">
-      <p:transition xmlns:p14="http://schemas.microsoft.com/office/powerpoint/2010/main" spd="slow" p14:dur="2000">
-        <p159:morph option="byObject"/>
-      </p:transition>
-    </mc:Choice>
-    <mc:Fallback xmlns="">
-      <p:transition spd="slow">
-        <p:fade/>
-      </p:transition>
-    </mc:Fallback>
-  </mc:AlternateContent>
+  <p:transition spd="slow">
+    <p:wipe/>
+  </p:transition>
 </p:sld>
 </file>
 
-<file path=ppt/slides/slide11.xml><?xml version="1.0" encoding="utf-8"?>
+<file path=ppt/slides/slide12.xml><?xml version="1.0" encoding="utf-8"?>
 <p:sld xmlns:a="http://schemas.openxmlformats.org/drawingml/2006/main" xmlns:r="http://schemas.openxmlformats.org/officeDocument/2006/relationships" xmlns:p="http://schemas.openxmlformats.org/presentationml/2006/main">
   <p:cSld>
     <p:spTree>
@@ -4738,155 +4773,9 @@
   <p:clrMapOvr>
     <a:masterClrMapping/>
   </p:clrMapOvr>
-  <mc:AlternateContent xmlns:mc="http://schemas.openxmlformats.org/markup-compatibility/2006" xmlns:p159="http://schemas.microsoft.com/office/powerpoint/2015/09/main">
-    <mc:Choice Requires="p159">
-      <p:transition xmlns:p14="http://schemas.microsoft.com/office/powerpoint/2010/main" spd="slow" p14:dur="2000">
-        <p159:morph option="byObject"/>
-      </p:transition>
-    </mc:Choice>
-    <mc:Fallback xmlns="">
-      <p:transition spd="slow">
-        <p:fade/>
-      </p:transition>
-    </mc:Fallback>
-  </mc:AlternateContent>
-</p:sld>
-</file>
-
-<file path=ppt/slides/slide12.xml><?xml version="1.0" encoding="utf-8"?>
-<p:sld xmlns:a="http://schemas.openxmlformats.org/drawingml/2006/main" xmlns:r="http://schemas.openxmlformats.org/officeDocument/2006/relationships" xmlns:p="http://schemas.openxmlformats.org/presentationml/2006/main">
-  <p:cSld>
-    <p:spTree>
-      <p:nvGrpSpPr>
-        <p:cNvPr id="1" name=""/>
-        <p:cNvGrpSpPr/>
-        <p:nvPr/>
-      </p:nvGrpSpPr>
-      <p:grpSpPr>
-        <a:xfrm>
-          <a:off x="0" y="0"/>
-          <a:ext cx="0" cy="0"/>
-          <a:chOff x="0" y="0"/>
-          <a:chExt cx="0" cy="0"/>
-        </a:xfrm>
-      </p:grpSpPr>
-      <p:sp>
-        <p:nvSpPr>
-          <p:cNvPr id="2" name="Title 1"/>
-          <p:cNvSpPr>
-            <a:spLocks noGrp="1"/>
-          </p:cNvSpPr>
-          <p:nvPr>
-            <p:ph type="title"/>
-          </p:nvPr>
-        </p:nvSpPr>
-        <p:spPr/>
-        <p:txBody>
-          <a:bodyPr>
-            <a:normAutofit/>
-          </a:bodyPr>
-          <a:lstStyle/>
-          <a:p>
-            <a:r>
-              <a:rPr lang="en-US" dirty="0"/>
-              <a:t>Seasonal Statistics</a:t>
-            </a:r>
-          </a:p>
-        </p:txBody>
-      </p:sp>
-      <p:pic>
-        <p:nvPicPr>
-          <p:cNvPr id="11" name="Content Placeholder 10">
-            <a:extLst>
-              <a:ext uri="{FF2B5EF4-FFF2-40B4-BE49-F238E27FC236}">
-                <a16:creationId xmlns:a16="http://schemas.microsoft.com/office/drawing/2014/main" id="{863D614B-7D35-42F2-50A9-B9ADD2022875}"/>
-              </a:ext>
-            </a:extLst>
-          </p:cNvPr>
-          <p:cNvPicPr>
-            <a:picLocks noGrp="1" noChangeAspect="1"/>
-          </p:cNvPicPr>
-          <p:nvPr>
-            <p:ph idx="1"/>
-          </p:nvPr>
-        </p:nvPicPr>
-        <p:blipFill>
-          <a:blip r:embed="rId2">
-            <a:extLst>
-              <a:ext uri="{28A0092B-C50C-407E-A947-70E740481C1C}">
-                <a14:useLocalDpi xmlns:a14="http://schemas.microsoft.com/office/drawing/2010/main" val="0"/>
-              </a:ext>
-            </a:extLst>
-          </a:blip>
-          <a:stretch>
-            <a:fillRect/>
-          </a:stretch>
-        </p:blipFill>
-        <p:spPr>
-          <a:xfrm>
-            <a:off x="1670605" y="1350110"/>
-            <a:ext cx="5955495" cy="3664920"/>
-          </a:xfrm>
-          <a:prstGeom prst="rect">
-            <a:avLst/>
-          </a:prstGeom>
-          <a:solidFill>
-            <a:srgbClr val="FFFFFF">
-              <a:shade val="85000"/>
-            </a:srgbClr>
-          </a:solidFill>
-          <a:ln w="28575" cap="sq">
-            <a:solidFill>
-              <a:schemeClr val="tx2">
-                <a:lumMod val="60000"/>
-                <a:lumOff val="40000"/>
-              </a:schemeClr>
-            </a:solidFill>
-            <a:miter lim="800000"/>
-          </a:ln>
-          <a:effectLst>
-            <a:outerShdw blurRad="55000" dist="18000" dir="5400000" algn="tl" rotWithShape="0">
-              <a:srgbClr val="000000">
-                <a:alpha val="40000"/>
-              </a:srgbClr>
-            </a:outerShdw>
-          </a:effectLst>
-          <a:scene3d>
-            <a:camera prst="orthographicFront"/>
-            <a:lightRig rig="twoPt" dir="t">
-              <a:rot lat="0" lon="0" rev="7200000"/>
-            </a:lightRig>
-          </a:scene3d>
-          <a:sp3d>
-            <a:bevelT w="25400" h="19050"/>
-            <a:contourClr>
-              <a:srgbClr val="FFFFFF"/>
-            </a:contourClr>
-          </a:sp3d>
-        </p:spPr>
-      </p:pic>
-    </p:spTree>
-    <p:extLst>
-      <p:ext uri="{BB962C8B-B14F-4D97-AF65-F5344CB8AC3E}">
-        <p14:creationId xmlns:p14="http://schemas.microsoft.com/office/powerpoint/2010/main" val="1882237040"/>
-      </p:ext>
-    </p:extLst>
-  </p:cSld>
-  <p:clrMapOvr>
-    <a:masterClrMapping/>
-  </p:clrMapOvr>
-  <mc:AlternateContent xmlns:mc="http://schemas.openxmlformats.org/markup-compatibility/2006" xmlns:p159="http://schemas.microsoft.com/office/powerpoint/2015/09/main">
-    <mc:Choice Requires="p159">
-      <p:transition xmlns:p14="http://schemas.microsoft.com/office/powerpoint/2010/main" spd="slow" p14:dur="2000">
-        <p159:morph option="byObject"/>
-      </p:transition>
-    </mc:Choice>
-    <mc:Fallback xmlns="">
-      <p:transition spd="slow">
-        <p:fade/>
-      </p:transition>
-    </mc:Fallback>
-  </mc:AlternateContent>
+  <p:transition spd="slow">
+    <p:wipe/>
+  </p:transition>
 </p:sld>
 </file>
 
@@ -4991,18 +4880,9 @@
   <p:clrMapOvr>
     <a:masterClrMapping/>
   </p:clrMapOvr>
-  <mc:AlternateContent xmlns:mc="http://schemas.openxmlformats.org/markup-compatibility/2006" xmlns:p159="http://schemas.microsoft.com/office/powerpoint/2015/09/main">
-    <mc:Choice Requires="p159">
-      <p:transition xmlns:p14="http://schemas.microsoft.com/office/powerpoint/2010/main" spd="slow" p14:dur="2000">
-        <p159:morph option="byObject"/>
-      </p:transition>
-    </mc:Choice>
-    <mc:Fallback xmlns="">
-      <p:transition spd="slow">
-        <p:fade/>
-      </p:transition>
-    </mc:Fallback>
-  </mc:AlternateContent>
+  <p:transition spd="slow">
+    <p:wipe/>
+  </p:transition>
 </p:sld>
 </file>
 
@@ -5028,7 +4908,7 @@
           <p:cNvPr id="2" name="Title 1">
             <a:extLst>
               <a:ext uri="{FF2B5EF4-FFF2-40B4-BE49-F238E27FC236}">
-                <a16:creationId xmlns:a16="http://schemas.microsoft.com/office/drawing/2014/main" id="{B5576F62-A72B-9069-F6C5-98F3DDF45908}"/>
+                <a16:creationId xmlns:a16="http://schemas.microsoft.com/office/drawing/2014/main" id="{86113318-C900-2203-1CA9-9D05C229F670}"/>
               </a:ext>
             </a:extLst>
           </p:cNvPr>
@@ -5039,77 +4919,96 @@
             <p:ph type="title"/>
           </p:nvPr>
         </p:nvSpPr>
-        <p:spPr/>
-        <p:txBody>
-          <a:bodyPr/>
+        <p:spPr>
+          <a:xfrm>
+            <a:off x="308612" y="554"/>
+            <a:ext cx="6252670" cy="458115"/>
+          </a:xfrm>
+        </p:spPr>
+        <p:txBody>
+          <a:bodyPr>
+            <a:noAutofit/>
+          </a:bodyPr>
           <a:lstStyle/>
           <a:p>
-            <a:pPr algn="l"/>
-            <a:r>
-              <a:rPr lang="en-US" b="1">
+            <a:r>
+              <a:rPr lang="en-US" sz="2400" b="1" dirty="0">
                 <a:solidFill>
                   <a:srgbClr val="002060"/>
                 </a:solidFill>
               </a:rPr>
-              <a:t>Analysis Conclusions</a:t>
-            </a:r>
-            <a:endParaRPr lang="en-US" dirty="0"/>
-          </a:p>
-        </p:txBody>
-      </p:sp>
-      <p:sp>
-        <p:nvSpPr>
-          <p:cNvPr id="4" name="TextBox 3">
+              <a:t>Depression Severity by Time</a:t>
+            </a:r>
+          </a:p>
+        </p:txBody>
+      </p:sp>
+      <p:pic>
+        <p:nvPicPr>
+          <p:cNvPr id="6" name="Content Placeholder 5">
             <a:extLst>
               <a:ext uri="{FF2B5EF4-FFF2-40B4-BE49-F238E27FC236}">
-                <a16:creationId xmlns:a16="http://schemas.microsoft.com/office/drawing/2014/main" id="{D46F5644-CD36-E0F6-4F87-6575222C6F27}"/>
+                <a16:creationId xmlns:a16="http://schemas.microsoft.com/office/drawing/2014/main" id="{27F268CD-3C63-080F-4B2F-68B2C5318F9A}"/>
               </a:ext>
             </a:extLst>
           </p:cNvPr>
-          <p:cNvSpPr txBox="1"/>
-          <p:nvPr/>
-        </p:nvSpPr>
+          <p:cNvPicPr>
+            <a:picLocks noGrp="1" noChangeAspect="1"/>
+          </p:cNvPicPr>
+          <p:nvPr>
+            <p:ph idx="1"/>
+          </p:nvPr>
+        </p:nvPicPr>
+        <p:blipFill>
+          <a:blip r:embed="rId2">
+            <a:extLst>
+              <a:ext uri="{28A0092B-C50C-407E-A947-70E740481C1C}">
+                <a14:useLocalDpi xmlns:a14="http://schemas.microsoft.com/office/drawing/2010/main" val="0"/>
+              </a:ext>
+            </a:extLst>
+          </a:blip>
+          <a:stretch>
+            <a:fillRect/>
+          </a:stretch>
+        </p:blipFill>
         <p:spPr>
           <a:xfrm>
-            <a:off x="818984" y="1757238"/>
-            <a:ext cx="473206" cy="646331"/>
+            <a:off x="907080" y="586585"/>
+            <a:ext cx="6413610" cy="4428445"/>
           </a:xfrm>
           <a:prstGeom prst="rect">
             <a:avLst/>
           </a:prstGeom>
-          <a:noFill/>
+          <a:ln w="38100">
+            <a:solidFill>
+              <a:schemeClr val="tx2">
+                <a:lumMod val="60000"/>
+                <a:lumOff val="40000"/>
+              </a:schemeClr>
+            </a:solidFill>
+            <a:prstDash val="solid"/>
+          </a:ln>
+          <a:effectLst>
+            <a:outerShdw blurRad="190500" algn="tl" rotWithShape="0">
+              <a:srgbClr val="000000">
+                <a:alpha val="70000"/>
+              </a:srgbClr>
+            </a:outerShdw>
+          </a:effectLst>
         </p:spPr>
-        <p:txBody>
-          <a:bodyPr wrap="none" rtlCol="0">
-            <a:spAutoFit/>
-          </a:bodyPr>
-          <a:lstStyle/>
-          <a:p>
-            <a:pPr marL="285750" indent="-285750">
-              <a:buFont typeface="Arial" panose="020B0604020202020204" pitchFamily="34" charset="0"/>
-              <a:buChar char="•"/>
-            </a:pPr>
-            <a:endParaRPr lang="en-US" dirty="0"/>
-          </a:p>
-          <a:p>
-            <a:pPr marL="285750" indent="-285750">
-              <a:buFont typeface="Arial" panose="020B0604020202020204" pitchFamily="34" charset="0"/>
-              <a:buChar char="•"/>
-            </a:pPr>
-            <a:endParaRPr lang="en-US" dirty="0"/>
-          </a:p>
-        </p:txBody>
-      </p:sp>
+      </p:pic>
     </p:spTree>
     <p:extLst>
       <p:ext uri="{BB962C8B-B14F-4D97-AF65-F5344CB8AC3E}">
-        <p14:creationId xmlns:p14="http://schemas.microsoft.com/office/powerpoint/2010/main" val="2667381009"/>
+        <p14:creationId xmlns:p14="http://schemas.microsoft.com/office/powerpoint/2010/main" val="3438505477"/>
       </p:ext>
     </p:extLst>
   </p:cSld>
   <p:clrMapOvr>
     <a:masterClrMapping/>
   </p:clrMapOvr>
+  <p:transition spd="slow">
+    <p:wipe/>
+  </p:transition>
 </p:sld>
 </file>
 
@@ -5132,6 +5031,228 @@
       </p:grpSpPr>
       <p:sp>
         <p:nvSpPr>
+          <p:cNvPr id="2" name="Title 1">
+            <a:extLst>
+              <a:ext uri="{FF2B5EF4-FFF2-40B4-BE49-F238E27FC236}">
+                <a16:creationId xmlns:a16="http://schemas.microsoft.com/office/drawing/2014/main" id="{86113318-C900-2203-1CA9-9D05C229F670}"/>
+              </a:ext>
+            </a:extLst>
+          </p:cNvPr>
+          <p:cNvSpPr>
+            <a:spLocks noGrp="1"/>
+          </p:cNvSpPr>
+          <p:nvPr>
+            <p:ph type="title"/>
+          </p:nvPr>
+        </p:nvSpPr>
+        <p:spPr>
+          <a:xfrm>
+            <a:off x="308612" y="554"/>
+            <a:ext cx="6252670" cy="458115"/>
+          </a:xfrm>
+        </p:spPr>
+        <p:txBody>
+          <a:bodyPr>
+            <a:noAutofit/>
+          </a:bodyPr>
+          <a:lstStyle/>
+          <a:p>
+            <a:r>
+              <a:rPr lang="en-US" sz="2400" b="1" dirty="0">
+                <a:solidFill>
+                  <a:srgbClr val="002060"/>
+                </a:solidFill>
+              </a:rPr>
+              <a:t>Depression Severity by Time</a:t>
+            </a:r>
+          </a:p>
+        </p:txBody>
+      </p:sp>
+      <p:pic>
+        <p:nvPicPr>
+          <p:cNvPr id="7" name="Content Placeholder 6">
+            <a:extLst>
+              <a:ext uri="{FF2B5EF4-FFF2-40B4-BE49-F238E27FC236}">
+                <a16:creationId xmlns:a16="http://schemas.microsoft.com/office/drawing/2014/main" id="{7F00F842-D8C4-FA72-6824-F8D23A4D2A66}"/>
+              </a:ext>
+            </a:extLst>
+          </p:cNvPr>
+          <p:cNvPicPr>
+            <a:picLocks noGrp="1" noChangeAspect="1"/>
+          </p:cNvPicPr>
+          <p:nvPr>
+            <p:ph idx="1"/>
+          </p:nvPr>
+        </p:nvPicPr>
+        <p:blipFill>
+          <a:blip r:embed="rId2">
+            <a:extLst>
+              <a:ext uri="{28A0092B-C50C-407E-A947-70E740481C1C}">
+                <a14:useLocalDpi xmlns:a14="http://schemas.microsoft.com/office/drawing/2010/main" val="0"/>
+              </a:ext>
+            </a:extLst>
+          </a:blip>
+          <a:stretch>
+            <a:fillRect/>
+          </a:stretch>
+        </p:blipFill>
+        <p:spPr>
+          <a:xfrm>
+            <a:off x="754375" y="458669"/>
+            <a:ext cx="6719020" cy="4556361"/>
+          </a:xfrm>
+          <a:ln w="38100">
+            <a:solidFill>
+              <a:srgbClr val="002060"/>
+            </a:solidFill>
+          </a:ln>
+        </p:spPr>
+      </p:pic>
+    </p:spTree>
+    <p:extLst>
+      <p:ext uri="{BB962C8B-B14F-4D97-AF65-F5344CB8AC3E}">
+        <p14:creationId xmlns:p14="http://schemas.microsoft.com/office/powerpoint/2010/main" val="1622487350"/>
+      </p:ext>
+    </p:extLst>
+  </p:cSld>
+  <p:clrMapOvr>
+    <a:masterClrMapping/>
+  </p:clrMapOvr>
+  <p:transition spd="slow">
+    <p:wipe/>
+  </p:transition>
+</p:sld>
+</file>
+
+<file path=ppt/slides/slide16.xml><?xml version="1.0" encoding="utf-8"?>
+<p:sld xmlns:a="http://schemas.openxmlformats.org/drawingml/2006/main" xmlns:r="http://schemas.openxmlformats.org/officeDocument/2006/relationships" xmlns:p="http://schemas.openxmlformats.org/presentationml/2006/main">
+  <p:cSld>
+    <p:spTree>
+      <p:nvGrpSpPr>
+        <p:cNvPr id="1" name=""/>
+        <p:cNvGrpSpPr/>
+        <p:nvPr/>
+      </p:nvGrpSpPr>
+      <p:grpSpPr>
+        <a:xfrm>
+          <a:off x="0" y="0"/>
+          <a:ext cx="0" cy="0"/>
+          <a:chOff x="0" y="0"/>
+          <a:chExt cx="0" cy="0"/>
+        </a:xfrm>
+      </p:grpSpPr>
+      <p:sp>
+        <p:nvSpPr>
+          <p:cNvPr id="2" name="Title 1">
+            <a:extLst>
+              <a:ext uri="{FF2B5EF4-FFF2-40B4-BE49-F238E27FC236}">
+                <a16:creationId xmlns:a16="http://schemas.microsoft.com/office/drawing/2014/main" id="{B5576F62-A72B-9069-F6C5-98F3DDF45908}"/>
+              </a:ext>
+            </a:extLst>
+          </p:cNvPr>
+          <p:cNvSpPr>
+            <a:spLocks noGrp="1"/>
+          </p:cNvSpPr>
+          <p:nvPr>
+            <p:ph type="title"/>
+          </p:nvPr>
+        </p:nvSpPr>
+        <p:spPr/>
+        <p:txBody>
+          <a:bodyPr/>
+          <a:lstStyle/>
+          <a:p>
+            <a:pPr algn="l"/>
+            <a:r>
+              <a:rPr lang="en-US" b="1">
+                <a:solidFill>
+                  <a:srgbClr val="002060"/>
+                </a:solidFill>
+              </a:rPr>
+              <a:t>Analysis Conclusions</a:t>
+            </a:r>
+            <a:endParaRPr lang="en-US" dirty="0"/>
+          </a:p>
+        </p:txBody>
+      </p:sp>
+      <p:sp>
+        <p:nvSpPr>
+          <p:cNvPr id="4" name="TextBox 3">
+            <a:extLst>
+              <a:ext uri="{FF2B5EF4-FFF2-40B4-BE49-F238E27FC236}">
+                <a16:creationId xmlns:a16="http://schemas.microsoft.com/office/drawing/2014/main" id="{D46F5644-CD36-E0F6-4F87-6575222C6F27}"/>
+              </a:ext>
+            </a:extLst>
+          </p:cNvPr>
+          <p:cNvSpPr txBox="1"/>
+          <p:nvPr/>
+        </p:nvSpPr>
+        <p:spPr>
+          <a:xfrm>
+            <a:off x="818984" y="1757238"/>
+            <a:ext cx="473206" cy="646331"/>
+          </a:xfrm>
+          <a:prstGeom prst="rect">
+            <a:avLst/>
+          </a:prstGeom>
+          <a:noFill/>
+        </p:spPr>
+        <p:txBody>
+          <a:bodyPr wrap="none" rtlCol="0">
+            <a:spAutoFit/>
+          </a:bodyPr>
+          <a:lstStyle/>
+          <a:p>
+            <a:pPr marL="285750" indent="-285750">
+              <a:buFont typeface="Arial" panose="020B0604020202020204" pitchFamily="34" charset="0"/>
+              <a:buChar char="•"/>
+            </a:pPr>
+            <a:endParaRPr lang="en-US" dirty="0"/>
+          </a:p>
+          <a:p>
+            <a:pPr marL="285750" indent="-285750">
+              <a:buFont typeface="Arial" panose="020B0604020202020204" pitchFamily="34" charset="0"/>
+              <a:buChar char="•"/>
+            </a:pPr>
+            <a:endParaRPr lang="en-US" dirty="0"/>
+          </a:p>
+        </p:txBody>
+      </p:sp>
+    </p:spTree>
+    <p:extLst>
+      <p:ext uri="{BB962C8B-B14F-4D97-AF65-F5344CB8AC3E}">
+        <p14:creationId xmlns:p14="http://schemas.microsoft.com/office/powerpoint/2010/main" val="2667381009"/>
+      </p:ext>
+    </p:extLst>
+  </p:cSld>
+  <p:clrMapOvr>
+    <a:masterClrMapping/>
+  </p:clrMapOvr>
+  <p:transition spd="slow">
+    <p:wipe/>
+  </p:transition>
+</p:sld>
+</file>
+
+<file path=ppt/slides/slide17.xml><?xml version="1.0" encoding="utf-8"?>
+<p:sld xmlns:a="http://schemas.openxmlformats.org/drawingml/2006/main" xmlns:r="http://schemas.openxmlformats.org/officeDocument/2006/relationships" xmlns:p="http://schemas.openxmlformats.org/presentationml/2006/main">
+  <p:cSld>
+    <p:spTree>
+      <p:nvGrpSpPr>
+        <p:cNvPr id="1" name=""/>
+        <p:cNvGrpSpPr/>
+        <p:nvPr/>
+      </p:nvGrpSpPr>
+      <p:grpSpPr>
+        <a:xfrm>
+          <a:off x="0" y="0"/>
+          <a:ext cx="0" cy="0"/>
+          <a:chOff x="0" y="0"/>
+          <a:chExt cx="0" cy="0"/>
+        </a:xfrm>
+      </p:grpSpPr>
+      <p:sp>
+        <p:nvSpPr>
           <p:cNvPr id="2" name="Title 1"/>
           <p:cNvSpPr>
             <a:spLocks noGrp="1"/>
@@ -5167,25 +5288,17 @@
         <p:spPr/>
         <p:txBody>
           <a:bodyPr>
-            <a:normAutofit/>
+            <a:normAutofit fontScale="92500"/>
           </a:bodyPr>
           <a:lstStyle/>
           <a:p>
             <a:r>
               <a:rPr lang="en-US" sz="1800" dirty="0" err="1"/>
-              <a:t>Nandy</a:t>
+              <a:t>Burchert</a:t>
             </a:r>
             <a:r>
               <a:rPr lang="en-US" sz="1800" dirty="0"/>
-              <a:t>, </a:t>
-            </a:r>
-            <a:r>
-              <a:rPr lang="en-US" sz="1800" dirty="0" err="1"/>
-              <a:t>Subidit</a:t>
-            </a:r>
-            <a:r>
-              <a:rPr lang="en-US" sz="1800" dirty="0"/>
-              <a:t>. </a:t>
+              <a:t>, Sebastian, et al. </a:t>
             </a:r>
             <a:r>
               <a:rPr lang="en-US" sz="1800" i="1" dirty="0"/>
@@ -5193,34 +5306,57 @@
             </a:r>
             <a:r>
               <a:rPr lang="en-US" sz="1800" dirty="0"/>
-              <a:t>Indicators of Anxiety or Depression</a:t>
+              <a:t>14-Day Smartphone Ambulatory Assessment Of Depression Symptoms And Mood Dynamics In A General Population Sample: Comparison With The PHQ-9</a:t>
             </a:r>
             <a:r>
               <a:rPr lang="en-US" sz="1800" i="1" dirty="0"/>
-              <a:t>”</a:t>
+              <a:t>. 3</a:t>
             </a:r>
             <a:r>
               <a:rPr lang="en-US" sz="1800" dirty="0"/>
-              <a:t>. </a:t>
-            </a:r>
-            <a:r>
-              <a:rPr lang="en-US" sz="1800" i="1" dirty="0"/>
-              <a:t>Survey To Obtain Information On The Frequency Of Anxiety And Depression Symptoms. </a:t>
-            </a:r>
-            <a:r>
-              <a:rPr lang="en-US" sz="1800" dirty="0"/>
-              <a:t>27 Oct. 2022. </a:t>
+              <a:t> Sept. 2019. </a:t>
             </a:r>
             <a:r>
               <a:rPr lang="en-US" sz="1800" dirty="0">
                 <a:hlinkClick r:id="rId2"/>
               </a:rPr>
-              <a:t>https://www.kaggle.com/datasets/subidit/indicators-of-anxiety-or-depression</a:t>
+              <a:t>https://zenodo.org/records/3384860#.Y8OrbdJBwUE</a:t>
             </a:r>
             <a:endParaRPr lang="en-US" sz="1800" dirty="0"/>
           </a:p>
           <a:p>
             <a:endParaRPr lang="en-US" sz="1800" dirty="0"/>
+          </a:p>
+          <a:p>
+            <a:r>
+              <a:rPr lang="en-US" sz="1800" i="1" dirty="0"/>
+              <a:t>PHQ-9 Depression </a:t>
+            </a:r>
+            <a:r>
+              <a:rPr lang="en-US" sz="1800" i="1" dirty="0" err="1"/>
+              <a:t>Assesment</a:t>
+            </a:r>
+            <a:r>
+              <a:rPr lang="en-US" sz="1800" i="1" dirty="0"/>
+              <a:t>. </a:t>
+            </a:r>
+            <a:r>
+              <a:rPr lang="en-US" sz="1800" dirty="0"/>
+              <a:t>14-Days Of Ambulatory Mood Dynamics In A General Population. n.d. </a:t>
+            </a:r>
+            <a:r>
+              <a:rPr lang="en-US" sz="1800" dirty="0">
+                <a:hlinkClick r:id="rId3"/>
+              </a:rPr>
+              <a:t>https://www.kaggle.com/datasets/thedevastator/phq-9-depression-assessment</a:t>
+            </a:r>
+            <a:endParaRPr lang="en-US" sz="1800" dirty="0"/>
+          </a:p>
+          <a:p>
+            <a:pPr marL="0" indent="0">
+              <a:buNone/>
+            </a:pPr>
+            <a:endParaRPr lang="en-US" sz="1800" i="1" dirty="0"/>
           </a:p>
           <a:p>
             <a:r>
@@ -5237,7 +5373,7 @@
             </a:r>
             <a:r>
               <a:rPr lang="en-US" sz="1800" dirty="0">
-                <a:hlinkClick r:id="rId3"/>
+                <a:hlinkClick r:id="rId4"/>
               </a:rPr>
               <a:t>https://med.stanford.edu/fastlab/research/imapp/msrs/_jcr_content/main/accordion/accordion_content3/download_256324296/file.res/PHQ9%20id%20date%2008.03.pdf</a:t>
             </a:r>
@@ -5264,6 +5400,9 @@
   <p:clrMapOvr>
     <a:masterClrMapping/>
   </p:clrMapOvr>
+  <p:transition spd="slow">
+    <p:wipe/>
+  </p:transition>
 </p:sld>
 </file>
 
@@ -5294,7 +5433,12 @@
             <p:ph type="title"/>
           </p:nvPr>
         </p:nvSpPr>
-        <p:spPr/>
+        <p:spPr>
+          <a:xfrm>
+            <a:off x="448965" y="281175"/>
+            <a:ext cx="8246070" cy="763524"/>
+          </a:xfrm>
+        </p:spPr>
         <p:txBody>
           <a:bodyPr>
             <a:normAutofit/>
@@ -5318,7 +5462,12 @@
             <p:ph idx="1"/>
           </p:nvPr>
         </p:nvSpPr>
-        <p:spPr/>
+        <p:spPr>
+          <a:xfrm>
+            <a:off x="296260" y="1350110"/>
+            <a:ext cx="8398775" cy="3359510"/>
+          </a:xfrm>
+        </p:spPr>
         <p:txBody>
           <a:bodyPr>
             <a:normAutofit/>
@@ -5355,12 +5504,13 @@
           <a:p>
             <a:pPr lvl="1"/>
             <a:r>
-              <a:rPr lang="en-US" sz="1600" b="0" i="0" dirty="0">
-                <a:effectLst/>
-                <a:latin typeface="Arial" panose="020B0604020202020204" pitchFamily="34" charset="0"/>
-              </a:rPr>
-              <a:t>Which questions have higher scores during different seasons?</a:t>
-            </a:r>
+              <a:rPr lang="en-US" sz="1600" dirty="0"/>
+              <a:t>Does time of day (morning, midday, or evening) affect the total score over the seasons?</a:t>
+            </a:r>
+            <a:endParaRPr lang="en-US" sz="1600" b="0" i="0" dirty="0">
+              <a:effectLst/>
+              <a:latin typeface="Arial" panose="020B0604020202020204" pitchFamily="34" charset="0"/>
+            </a:endParaRPr>
           </a:p>
           <a:p>
             <a:pPr marL="457200" lvl="1" indent="0">
@@ -5414,6 +5564,9 @@
   <p:clrMapOvr>
     <a:masterClrMapping/>
   </p:clrMapOvr>
+  <p:transition spd="slow">
+    <p:wipe/>
+  </p:transition>
   <p:timing>
     <p:tnLst>
       <p:par>
@@ -5714,9 +5867,29 @@
         </p:blipFill>
         <p:spPr>
           <a:xfrm>
-            <a:off x="163877" y="2266340"/>
-            <a:ext cx="8530861" cy="1985165"/>
+            <a:off x="306569" y="1960930"/>
+            <a:ext cx="8530861" cy="2137870"/>
           </a:xfrm>
+          <a:prstGeom prst="rect">
+            <a:avLst/>
+          </a:prstGeom>
+          <a:ln w="38100" cap="sq">
+            <a:solidFill>
+              <a:schemeClr val="tx2">
+                <a:lumMod val="60000"/>
+                <a:lumOff val="40000"/>
+              </a:schemeClr>
+            </a:solidFill>
+            <a:prstDash val="solid"/>
+            <a:miter lim="800000"/>
+          </a:ln>
+          <a:effectLst>
+            <a:outerShdw blurRad="50800" dist="38100" dir="2700000" algn="tl" rotWithShape="0">
+              <a:srgbClr val="000000">
+                <a:alpha val="43000"/>
+              </a:srgbClr>
+            </a:outerShdw>
+          </a:effectLst>
         </p:spPr>
       </p:pic>
     </p:spTree>
@@ -5729,18 +5902,9 @@
   <p:clrMapOvr>
     <a:masterClrMapping/>
   </p:clrMapOvr>
-  <mc:AlternateContent xmlns:mc="http://schemas.openxmlformats.org/markup-compatibility/2006" xmlns:p159="http://schemas.microsoft.com/office/powerpoint/2015/09/main">
-    <mc:Choice Requires="p159">
-      <p:transition xmlns:p14="http://schemas.microsoft.com/office/powerpoint/2010/main" spd="slow" p14:dur="2000">
-        <p159:morph option="byObject"/>
-      </p:transition>
-    </mc:Choice>
-    <mc:Fallback xmlns="">
-      <p:transition spd="slow">
-        <p:fade/>
-      </p:transition>
-    </mc:Fallback>
-  </mc:AlternateContent>
+  <p:transition spd="slow">
+    <p:wipe/>
+  </p:transition>
 </p:sld>
 </file>
 
@@ -5793,10 +5957,10 @@
       </p:sp>
       <p:pic>
         <p:nvPicPr>
-          <p:cNvPr id="5" name="Content Placeholder 4">
+          <p:cNvPr id="7" name="Content Placeholder 6">
             <a:extLst>
               <a:ext uri="{FF2B5EF4-FFF2-40B4-BE49-F238E27FC236}">
-                <a16:creationId xmlns:a16="http://schemas.microsoft.com/office/drawing/2014/main" id="{34F2E063-6C4A-1307-5B47-76EB02CEB17F}"/>
+                <a16:creationId xmlns:a16="http://schemas.microsoft.com/office/drawing/2014/main" id="{0A746A44-126F-76F6-1D93-797678BE5FB6}"/>
               </a:ext>
             </a:extLst>
           </p:cNvPr>
@@ -5821,9 +5985,14 @@
         </p:blipFill>
         <p:spPr>
           <a:xfrm>
-            <a:off x="482057" y="1960930"/>
-            <a:ext cx="7017782" cy="2290575"/>
+            <a:off x="754375" y="1584659"/>
+            <a:ext cx="6994317" cy="2514141"/>
           </a:xfrm>
+          <a:ln w="38100">
+            <a:solidFill>
+              <a:srgbClr val="002060"/>
+            </a:solidFill>
+          </a:ln>
         </p:spPr>
       </p:pic>
     </p:spTree>
@@ -5836,18 +6005,9 @@
   <p:clrMapOvr>
     <a:masterClrMapping/>
   </p:clrMapOvr>
-  <mc:AlternateContent xmlns:mc="http://schemas.openxmlformats.org/markup-compatibility/2006" xmlns:p159="http://schemas.microsoft.com/office/powerpoint/2015/09/main">
-    <mc:Choice Requires="p159">
-      <p:transition xmlns:p14="http://schemas.microsoft.com/office/powerpoint/2010/main" spd="slow" p14:dur="2000">
-        <p159:morph option="byObject"/>
-      </p:transition>
-    </mc:Choice>
-    <mc:Fallback xmlns="">
-      <p:transition spd="slow">
-        <p:fade/>
-      </p:transition>
-    </mc:Fallback>
-  </mc:AlternateContent>
+  <p:transition spd="slow">
+    <p:wipe/>
+  </p:transition>
 </p:sld>
 </file>
 
@@ -5878,10 +6038,15 @@
             <p:ph type="title"/>
           </p:nvPr>
         </p:nvSpPr>
-        <p:spPr/>
+        <p:spPr>
+          <a:xfrm>
+            <a:off x="296260" y="172736"/>
+            <a:ext cx="8246070" cy="566554"/>
+          </a:xfrm>
+        </p:spPr>
         <p:txBody>
           <a:bodyPr>
-            <a:normAutofit/>
+            <a:normAutofit fontScale="90000"/>
           </a:bodyPr>
           <a:lstStyle/>
           <a:p>
@@ -5894,10 +6059,10 @@
       </p:sp>
       <p:pic>
         <p:nvPicPr>
-          <p:cNvPr id="7" name="Content Placeholder 6">
+          <p:cNvPr id="6" name="Content Placeholder 5">
             <a:extLst>
               <a:ext uri="{FF2B5EF4-FFF2-40B4-BE49-F238E27FC236}">
-                <a16:creationId xmlns:a16="http://schemas.microsoft.com/office/drawing/2014/main" id="{5B444B93-4A34-6F9E-3FAE-A23C2B4C11F3}"/>
+                <a16:creationId xmlns:a16="http://schemas.microsoft.com/office/drawing/2014/main" id="{F608C6B6-AEDE-3003-668F-DB3F9DD76198}"/>
               </a:ext>
             </a:extLst>
           </p:cNvPr>
@@ -5922,17 +6087,66 @@
         </p:blipFill>
         <p:spPr>
           <a:xfrm>
-            <a:off x="1212491" y="1197404"/>
-            <a:ext cx="5650084" cy="3817625"/>
+            <a:off x="296260" y="877167"/>
+            <a:ext cx="5344675" cy="4093597"/>
           </a:xfrm>
           <a:ln w="38100">
             <a:solidFill>
+              <a:srgbClr val="002060"/>
+            </a:solidFill>
+          </a:ln>
+        </p:spPr>
+      </p:pic>
+      <p:pic>
+        <p:nvPicPr>
+          <p:cNvPr id="9" name="Picture 8">
+            <a:extLst>
+              <a:ext uri="{FF2B5EF4-FFF2-40B4-BE49-F238E27FC236}">
+                <a16:creationId xmlns:a16="http://schemas.microsoft.com/office/drawing/2014/main" id="{5984FFA6-27AF-A9C5-ED3D-8EA8436F5599}"/>
+              </a:ext>
+            </a:extLst>
+          </p:cNvPr>
+          <p:cNvPicPr>
+            <a:picLocks noChangeAspect="1"/>
+          </p:cNvPicPr>
+          <p:nvPr/>
+        </p:nvPicPr>
+        <p:blipFill>
+          <a:blip r:embed="rId3">
+            <a:extLst>
+              <a:ext uri="{28A0092B-C50C-407E-A947-70E740481C1C}">
+                <a14:useLocalDpi xmlns:a14="http://schemas.microsoft.com/office/drawing/2010/main" val="0"/>
+              </a:ext>
+            </a:extLst>
+          </a:blip>
+          <a:stretch>
+            <a:fillRect/>
+          </a:stretch>
+        </p:blipFill>
+        <p:spPr>
+          <a:xfrm>
+            <a:off x="4572000" y="1854200"/>
+            <a:ext cx="4428445" cy="1939190"/>
+          </a:xfrm>
+          <a:prstGeom prst="rect">
+            <a:avLst/>
+          </a:prstGeom>
+          <a:ln w="38100" cap="sq">
+            <a:solidFill>
               <a:schemeClr val="tx2">
-                <a:lumMod val="60000"/>
-                <a:lumOff val="40000"/>
+                <a:lumMod val="75000"/>
               </a:schemeClr>
             </a:solidFill>
+            <a:prstDash val="solid"/>
+            <a:miter lim="800000"/>
           </a:ln>
+          <a:effectLst>
+            <a:outerShdw blurRad="50800" dist="38100" dir="2700000" algn="tl" rotWithShape="0">
+              <a:srgbClr val="000000">
+                <a:alpha val="43000"/>
+              </a:srgbClr>
+            </a:outerShdw>
+          </a:effectLst>
         </p:spPr>
       </p:pic>
     </p:spTree>
@@ -5945,18 +6159,9 @@
   <p:clrMapOvr>
     <a:masterClrMapping/>
   </p:clrMapOvr>
-  <mc:AlternateContent xmlns:mc="http://schemas.openxmlformats.org/markup-compatibility/2006" xmlns:p159="http://schemas.microsoft.com/office/powerpoint/2015/09/main">
-    <mc:Choice Requires="p159">
-      <p:transition xmlns:p14="http://schemas.microsoft.com/office/powerpoint/2010/main" spd="slow" p14:dur="2000">
-        <p159:morph option="byObject"/>
-      </p:transition>
-    </mc:Choice>
-    <mc:Fallback xmlns="">
-      <p:transition spd="slow">
-        <p:fade/>
-      </p:transition>
-    </mc:Fallback>
-  </mc:AlternateContent>
+  <p:transition spd="slow">
+    <p:wipe/>
+  </p:transition>
 </p:sld>
 </file>
 
@@ -5996,17 +6201,17 @@
           <a:p>
             <a:r>
               <a:rPr lang="en-US" dirty="0"/>
-              <a:t>Total Scores Data Frame</a:t>
+              <a:t>Total Scores New Data Frame</a:t>
             </a:r>
           </a:p>
         </p:txBody>
       </p:sp>
       <p:pic>
         <p:nvPicPr>
-          <p:cNvPr id="6" name="Content Placeholder 5">
+          <p:cNvPr id="7" name="Content Placeholder 6">
             <a:extLst>
               <a:ext uri="{FF2B5EF4-FFF2-40B4-BE49-F238E27FC236}">
-                <a16:creationId xmlns:a16="http://schemas.microsoft.com/office/drawing/2014/main" id="{6996EAD1-95B1-3A05-DF79-C7057457D778}"/>
+                <a16:creationId xmlns:a16="http://schemas.microsoft.com/office/drawing/2014/main" id="{0D1432AD-6DE9-89FA-9913-98B9093783D4}"/>
               </a:ext>
             </a:extLst>
           </p:cNvPr>
@@ -6031,12 +6236,15 @@
         </p:blipFill>
         <p:spPr>
           <a:xfrm>
-            <a:off x="296260" y="2113635"/>
-            <a:ext cx="8245475" cy="1374345"/>
+            <a:off x="481028" y="2266339"/>
+            <a:ext cx="8205772" cy="1679755"/>
           </a:xfrm>
           <a:ln w="38100">
             <a:solidFill>
-              <a:srgbClr val="002060"/>
+              <a:schemeClr val="tx2">
+                <a:lumMod val="60000"/>
+                <a:lumOff val="40000"/>
+              </a:schemeClr>
             </a:solidFill>
           </a:ln>
         </p:spPr>
@@ -6051,340 +6259,13 @@
   <p:clrMapOvr>
     <a:masterClrMapping/>
   </p:clrMapOvr>
-  <mc:AlternateContent xmlns:mc="http://schemas.openxmlformats.org/markup-compatibility/2006" xmlns:p159="http://schemas.microsoft.com/office/powerpoint/2015/09/main">
-    <mc:Choice Requires="p159">
-      <p:transition xmlns:p14="http://schemas.microsoft.com/office/powerpoint/2010/main" spd="slow" p14:dur="2000">
-        <p159:morph option="byObject"/>
-      </p:transition>
-    </mc:Choice>
-    <mc:Fallback xmlns="">
-      <p:transition spd="slow">
-        <p:fade/>
-      </p:transition>
-    </mc:Fallback>
-  </mc:AlternateContent>
+  <p:transition spd="slow">
+    <p:wipe/>
+  </p:transition>
 </p:sld>
 </file>
 
 <file path=ppt/slides/slide7.xml><?xml version="1.0" encoding="utf-8"?>
-<p:sld xmlns:a="http://schemas.openxmlformats.org/drawingml/2006/main" xmlns:r="http://schemas.openxmlformats.org/officeDocument/2006/relationships" xmlns:p="http://schemas.openxmlformats.org/presentationml/2006/main">
-  <p:cSld>
-    <p:spTree>
-      <p:nvGrpSpPr>
-        <p:cNvPr id="1" name=""/>
-        <p:cNvGrpSpPr/>
-        <p:nvPr/>
-      </p:nvGrpSpPr>
-      <p:grpSpPr>
-        <a:xfrm>
-          <a:off x="0" y="0"/>
-          <a:ext cx="0" cy="0"/>
-          <a:chOff x="0" y="0"/>
-          <a:chExt cx="0" cy="0"/>
-        </a:xfrm>
-      </p:grpSpPr>
-      <p:sp>
-        <p:nvSpPr>
-          <p:cNvPr id="2" name="Title 1"/>
-          <p:cNvSpPr>
-            <a:spLocks noGrp="1"/>
-          </p:cNvSpPr>
-          <p:nvPr>
-            <p:ph type="title"/>
-          </p:nvPr>
-        </p:nvSpPr>
-        <p:spPr/>
-        <p:txBody>
-          <a:bodyPr>
-            <a:normAutofit/>
-          </a:bodyPr>
-          <a:lstStyle/>
-          <a:p>
-            <a:r>
-              <a:rPr lang="en-US" dirty="0"/>
-              <a:t>Total Scores Per Season</a:t>
-            </a:r>
-          </a:p>
-        </p:txBody>
-      </p:sp>
-      <p:pic>
-        <p:nvPicPr>
-          <p:cNvPr id="7" name="Content Placeholder 6">
-            <a:extLst>
-              <a:ext uri="{FF2B5EF4-FFF2-40B4-BE49-F238E27FC236}">
-                <a16:creationId xmlns:a16="http://schemas.microsoft.com/office/drawing/2014/main" id="{ABEECBC8-696C-D4E3-C57A-0ADA0AC56DC8}"/>
-              </a:ext>
-            </a:extLst>
-          </p:cNvPr>
-          <p:cNvPicPr>
-            <a:picLocks noGrp="1" noChangeAspect="1"/>
-          </p:cNvPicPr>
-          <p:nvPr>
-            <p:ph idx="1"/>
-          </p:nvPr>
-        </p:nvPicPr>
-        <p:blipFill>
-          <a:blip r:embed="rId2">
-            <a:extLst>
-              <a:ext uri="{28A0092B-C50C-407E-A947-70E740481C1C}">
-                <a14:useLocalDpi xmlns:a14="http://schemas.microsoft.com/office/drawing/2010/main" val="0"/>
-              </a:ext>
-            </a:extLst>
-          </a:blip>
-          <a:stretch>
-            <a:fillRect/>
-          </a:stretch>
-        </p:blipFill>
-        <p:spPr>
-          <a:xfrm>
-            <a:off x="449263" y="1814386"/>
-            <a:ext cx="8245475" cy="2641854"/>
-          </a:xfrm>
-          <a:ln w="38100">
-            <a:solidFill>
-              <a:schemeClr val="tx2">
-                <a:lumMod val="60000"/>
-                <a:lumOff val="40000"/>
-              </a:schemeClr>
-            </a:solidFill>
-          </a:ln>
-        </p:spPr>
-      </p:pic>
-    </p:spTree>
-    <p:extLst>
-      <p:ext uri="{BB962C8B-B14F-4D97-AF65-F5344CB8AC3E}">
-        <p14:creationId xmlns:p14="http://schemas.microsoft.com/office/powerpoint/2010/main" val="2690412846"/>
-      </p:ext>
-    </p:extLst>
-  </p:cSld>
-  <p:clrMapOvr>
-    <a:masterClrMapping/>
-  </p:clrMapOvr>
-  <mc:AlternateContent xmlns:mc="http://schemas.openxmlformats.org/markup-compatibility/2006" xmlns:p159="http://schemas.microsoft.com/office/powerpoint/2015/09/main">
-    <mc:Choice Requires="p159">
-      <p:transition xmlns:p14="http://schemas.microsoft.com/office/powerpoint/2010/main" spd="slow" p14:dur="2000">
-        <p159:morph option="byObject"/>
-      </p:transition>
-    </mc:Choice>
-    <mc:Fallback xmlns="">
-      <p:transition spd="slow">
-        <p:fade/>
-      </p:transition>
-    </mc:Fallback>
-  </mc:AlternateContent>
-</p:sld>
-</file>
-
-<file path=ppt/slides/slide8.xml><?xml version="1.0" encoding="utf-8"?>
-<p:sld xmlns:a="http://schemas.openxmlformats.org/drawingml/2006/main" xmlns:r="http://schemas.openxmlformats.org/officeDocument/2006/relationships" xmlns:p="http://schemas.openxmlformats.org/presentationml/2006/main">
-  <p:cSld>
-    <p:spTree>
-      <p:nvGrpSpPr>
-        <p:cNvPr id="1" name=""/>
-        <p:cNvGrpSpPr/>
-        <p:nvPr/>
-      </p:nvGrpSpPr>
-      <p:grpSpPr>
-        <a:xfrm>
-          <a:off x="0" y="0"/>
-          <a:ext cx="0" cy="0"/>
-          <a:chOff x="0" y="0"/>
-          <a:chExt cx="0" cy="0"/>
-        </a:xfrm>
-      </p:grpSpPr>
-      <p:sp>
-        <p:nvSpPr>
-          <p:cNvPr id="4" name="Title 3"/>
-          <p:cNvSpPr>
-            <a:spLocks noGrp="1"/>
-          </p:cNvSpPr>
-          <p:nvPr>
-            <p:ph type="title"/>
-          </p:nvPr>
-        </p:nvSpPr>
-        <p:spPr>
-          <a:xfrm>
-            <a:off x="454902" y="369927"/>
-            <a:ext cx="6865787" cy="763525"/>
-          </a:xfrm>
-        </p:spPr>
-        <p:txBody>
-          <a:bodyPr>
-            <a:noAutofit/>
-          </a:bodyPr>
-          <a:lstStyle/>
-          <a:p>
-            <a:r>
-              <a:rPr lang="en-US" dirty="0">
-                <a:solidFill>
-                  <a:srgbClr val="002060"/>
-                </a:solidFill>
-              </a:rPr>
-              <a:t>Average PHQ-9 Per Season</a:t>
-            </a:r>
-          </a:p>
-        </p:txBody>
-      </p:sp>
-      <p:sp>
-        <p:nvSpPr>
-          <p:cNvPr id="3" name="AutoShape 2">
-            <a:extLst>
-              <a:ext uri="{FF2B5EF4-FFF2-40B4-BE49-F238E27FC236}">
-                <a16:creationId xmlns:a16="http://schemas.microsoft.com/office/drawing/2014/main" id="{DA5DA984-96CC-ED1D-27FC-1D7E37E6E8A5}"/>
-              </a:ext>
-            </a:extLst>
-          </p:cNvPr>
-          <p:cNvSpPr>
-            <a:spLocks noChangeAspect="1" noChangeArrowheads="1"/>
-          </p:cNvSpPr>
-          <p:nvPr/>
-        </p:nvSpPr>
-        <p:spPr bwMode="auto">
-          <a:xfrm>
-            <a:off x="4419600" y="2419350"/>
-            <a:ext cx="304800" cy="304800"/>
-          </a:xfrm>
-          <a:prstGeom prst="rect">
-            <a:avLst/>
-          </a:prstGeom>
-          <a:noFill/>
-          <a:extLst>
-            <a:ext uri="{909E8E84-426E-40DD-AFC4-6F175D3DCCD1}">
-              <a14:hiddenFill xmlns:a14="http://schemas.microsoft.com/office/drawing/2010/main">
-                <a:solidFill>
-                  <a:srgbClr val="FFFFFF"/>
-                </a:solidFill>
-              </a14:hiddenFill>
-            </a:ext>
-          </a:extLst>
-        </p:spPr>
-        <p:txBody>
-          <a:bodyPr vert="horz" wrap="square" lIns="91440" tIns="45720" rIns="91440" bIns="45720" numCol="1" anchor="t" anchorCtr="0" compatLnSpc="1">
-            <a:prstTxWarp prst="textNoShape">
-              <a:avLst/>
-            </a:prstTxWarp>
-          </a:bodyPr>
-          <a:lstStyle/>
-          <a:p>
-            <a:endParaRPr lang="en-US"/>
-          </a:p>
-        </p:txBody>
-      </p:sp>
-      <p:sp>
-        <p:nvSpPr>
-          <p:cNvPr id="5" name="AutoShape 4">
-            <a:extLst>
-              <a:ext uri="{FF2B5EF4-FFF2-40B4-BE49-F238E27FC236}">
-                <a16:creationId xmlns:a16="http://schemas.microsoft.com/office/drawing/2014/main" id="{0B9BB726-3D43-AC80-98F2-07B95E50F6C6}"/>
-              </a:ext>
-            </a:extLst>
-          </p:cNvPr>
-          <p:cNvSpPr>
-            <a:spLocks noChangeAspect="1" noChangeArrowheads="1"/>
-          </p:cNvSpPr>
-          <p:nvPr/>
-        </p:nvSpPr>
-        <p:spPr bwMode="auto">
-          <a:xfrm>
-            <a:off x="4572000" y="2571750"/>
-            <a:ext cx="304800" cy="304800"/>
-          </a:xfrm>
-          <a:prstGeom prst="rect">
-            <a:avLst/>
-          </a:prstGeom>
-          <a:noFill/>
-          <a:extLst>
-            <a:ext uri="{909E8E84-426E-40DD-AFC4-6F175D3DCCD1}">
-              <a14:hiddenFill xmlns:a14="http://schemas.microsoft.com/office/drawing/2010/main">
-                <a:solidFill>
-                  <a:srgbClr val="FFFFFF"/>
-                </a:solidFill>
-              </a14:hiddenFill>
-            </a:ext>
-          </a:extLst>
-        </p:spPr>
-        <p:txBody>
-          <a:bodyPr vert="horz" wrap="square" lIns="91440" tIns="45720" rIns="91440" bIns="45720" numCol="1" anchor="t" anchorCtr="0" compatLnSpc="1">
-            <a:prstTxWarp prst="textNoShape">
-              <a:avLst/>
-            </a:prstTxWarp>
-          </a:bodyPr>
-          <a:lstStyle/>
-          <a:p>
-            <a:endParaRPr lang="en-US"/>
-          </a:p>
-        </p:txBody>
-      </p:sp>
-      <p:pic>
-        <p:nvPicPr>
-          <p:cNvPr id="6" name="Picture 5">
-            <a:extLst>
-              <a:ext uri="{FF2B5EF4-FFF2-40B4-BE49-F238E27FC236}">
-                <a16:creationId xmlns:a16="http://schemas.microsoft.com/office/drawing/2014/main" id="{1AEDF84A-6EA6-D911-8404-E01298EE0010}"/>
-              </a:ext>
-            </a:extLst>
-          </p:cNvPr>
-          <p:cNvPicPr>
-            <a:picLocks noChangeAspect="1"/>
-          </p:cNvPicPr>
-          <p:nvPr/>
-        </p:nvPicPr>
-        <p:blipFill>
-          <a:blip r:embed="rId2">
-            <a:extLst>
-              <a:ext uri="{28A0092B-C50C-407E-A947-70E740481C1C}">
-                <a14:useLocalDpi xmlns:a14="http://schemas.microsoft.com/office/drawing/2010/main" val="0"/>
-              </a:ext>
-            </a:extLst>
-          </a:blip>
-          <a:stretch>
-            <a:fillRect/>
-          </a:stretch>
-        </p:blipFill>
-        <p:spPr>
-          <a:xfrm>
-            <a:off x="1365195" y="1114402"/>
-            <a:ext cx="5497379" cy="3873920"/>
-          </a:xfrm>
-          <a:prstGeom prst="rect">
-            <a:avLst/>
-          </a:prstGeom>
-          <a:ln w="38100">
-            <a:solidFill>
-              <a:schemeClr val="tx2">
-                <a:lumMod val="60000"/>
-                <a:lumOff val="40000"/>
-              </a:schemeClr>
-            </a:solidFill>
-          </a:ln>
-        </p:spPr>
-      </p:pic>
-    </p:spTree>
-    <p:extLst>
-      <p:ext uri="{BB962C8B-B14F-4D97-AF65-F5344CB8AC3E}">
-        <p14:creationId xmlns:p14="http://schemas.microsoft.com/office/powerpoint/2010/main" val="613112062"/>
-      </p:ext>
-    </p:extLst>
-  </p:cSld>
-  <p:clrMapOvr>
-    <a:masterClrMapping/>
-  </p:clrMapOvr>
-  <mc:AlternateContent xmlns:mc="http://schemas.openxmlformats.org/markup-compatibility/2006" xmlns:p159="http://schemas.microsoft.com/office/powerpoint/2015/09/main">
-    <mc:Choice Requires="p159">
-      <p:transition xmlns:p14="http://schemas.microsoft.com/office/powerpoint/2010/main" spd="slow" p14:dur="2000">
-        <p159:morph option="byObject"/>
-      </p:transition>
-    </mc:Choice>
-    <mc:Fallback xmlns="">
-      <p:transition spd="slow">
-        <p:fade/>
-      </p:transition>
-    </mc:Fallback>
-  </mc:AlternateContent>
-</p:sld>
-</file>
-
-<file path=ppt/slides/slide9.xml><?xml version="1.0" encoding="utf-8"?>
 <p:sld xmlns:a="http://schemas.openxmlformats.org/drawingml/2006/main" xmlns:r="http://schemas.openxmlformats.org/officeDocument/2006/relationships" xmlns:p="http://schemas.openxmlformats.org/presentationml/2006/main">
   <p:cSld>
     <p:spTree>
@@ -6470,18 +6351,337 @@
   <p:clrMapOvr>
     <a:masterClrMapping/>
   </p:clrMapOvr>
-  <mc:AlternateContent xmlns:mc="http://schemas.openxmlformats.org/markup-compatibility/2006" xmlns:p159="http://schemas.microsoft.com/office/powerpoint/2015/09/main">
-    <mc:Choice Requires="p159">
-      <p:transition xmlns:p14="http://schemas.microsoft.com/office/powerpoint/2010/main" spd="slow" p14:dur="2000">
-        <p159:morph option="byObject"/>
-      </p:transition>
-    </mc:Choice>
-    <mc:Fallback xmlns="">
-      <p:transition spd="slow">
-        <p:fade/>
-      </p:transition>
-    </mc:Fallback>
-  </mc:AlternateContent>
+  <p:transition spd="slow">
+    <p:wipe/>
+  </p:transition>
+</p:sld>
+</file>
+
+<file path=ppt/slides/slide8.xml><?xml version="1.0" encoding="utf-8"?>
+<p:sld xmlns:a="http://schemas.openxmlformats.org/drawingml/2006/main" xmlns:r="http://schemas.openxmlformats.org/officeDocument/2006/relationships" xmlns:p="http://schemas.openxmlformats.org/presentationml/2006/main">
+  <p:cSld>
+    <p:spTree>
+      <p:nvGrpSpPr>
+        <p:cNvPr id="1" name=""/>
+        <p:cNvGrpSpPr/>
+        <p:nvPr/>
+      </p:nvGrpSpPr>
+      <p:grpSpPr>
+        <a:xfrm>
+          <a:off x="0" y="0"/>
+          <a:ext cx="0" cy="0"/>
+          <a:chOff x="0" y="0"/>
+          <a:chExt cx="0" cy="0"/>
+        </a:xfrm>
+      </p:grpSpPr>
+      <p:sp>
+        <p:nvSpPr>
+          <p:cNvPr id="2" name="Title 1"/>
+          <p:cNvSpPr>
+            <a:spLocks noGrp="1"/>
+          </p:cNvSpPr>
+          <p:nvPr>
+            <p:ph type="title"/>
+          </p:nvPr>
+        </p:nvSpPr>
+        <p:spPr/>
+        <p:txBody>
+          <a:bodyPr>
+            <a:normAutofit/>
+          </a:bodyPr>
+          <a:lstStyle/>
+          <a:p>
+            <a:r>
+              <a:rPr lang="en-US" dirty="0"/>
+              <a:t>Seasonal Statistics by Gender</a:t>
+            </a:r>
+          </a:p>
+        </p:txBody>
+      </p:sp>
+      <p:pic>
+        <p:nvPicPr>
+          <p:cNvPr id="11" name="Content Placeholder 10">
+            <a:extLst>
+              <a:ext uri="{FF2B5EF4-FFF2-40B4-BE49-F238E27FC236}">
+                <a16:creationId xmlns:a16="http://schemas.microsoft.com/office/drawing/2014/main" id="{863D614B-7D35-42F2-50A9-B9ADD2022875}"/>
+              </a:ext>
+            </a:extLst>
+          </p:cNvPr>
+          <p:cNvPicPr>
+            <a:picLocks noGrp="1" noChangeAspect="1"/>
+          </p:cNvPicPr>
+          <p:nvPr>
+            <p:ph idx="1"/>
+          </p:nvPr>
+        </p:nvPicPr>
+        <p:blipFill>
+          <a:blip r:embed="rId2">
+            <a:extLst>
+              <a:ext uri="{28A0092B-C50C-407E-A947-70E740481C1C}">
+                <a14:useLocalDpi xmlns:a14="http://schemas.microsoft.com/office/drawing/2010/main" val="0"/>
+              </a:ext>
+            </a:extLst>
+          </a:blip>
+          <a:stretch>
+            <a:fillRect/>
+          </a:stretch>
+        </p:blipFill>
+        <p:spPr>
+          <a:xfrm>
+            <a:off x="1670605" y="1350110"/>
+            <a:ext cx="5955495" cy="3664920"/>
+          </a:xfrm>
+          <a:prstGeom prst="rect">
+            <a:avLst/>
+          </a:prstGeom>
+          <a:solidFill>
+            <a:srgbClr val="FFFFFF">
+              <a:shade val="85000"/>
+            </a:srgbClr>
+          </a:solidFill>
+          <a:ln w="28575" cap="sq">
+            <a:solidFill>
+              <a:schemeClr val="tx2">
+                <a:lumMod val="60000"/>
+                <a:lumOff val="40000"/>
+              </a:schemeClr>
+            </a:solidFill>
+            <a:miter lim="800000"/>
+          </a:ln>
+          <a:effectLst>
+            <a:outerShdw blurRad="55000" dist="18000" dir="5400000" algn="tl" rotWithShape="0">
+              <a:srgbClr val="000000">
+                <a:alpha val="40000"/>
+              </a:srgbClr>
+            </a:outerShdw>
+          </a:effectLst>
+          <a:scene3d>
+            <a:camera prst="orthographicFront"/>
+            <a:lightRig rig="twoPt" dir="t">
+              <a:rot lat="0" lon="0" rev="7200000"/>
+            </a:lightRig>
+          </a:scene3d>
+          <a:sp3d>
+            <a:bevelT w="25400" h="19050"/>
+            <a:contourClr>
+              <a:srgbClr val="FFFFFF"/>
+            </a:contourClr>
+          </a:sp3d>
+        </p:spPr>
+      </p:pic>
+    </p:spTree>
+    <p:extLst>
+      <p:ext uri="{BB962C8B-B14F-4D97-AF65-F5344CB8AC3E}">
+        <p14:creationId xmlns:p14="http://schemas.microsoft.com/office/powerpoint/2010/main" val="1882237040"/>
+      </p:ext>
+    </p:extLst>
+  </p:cSld>
+  <p:clrMapOvr>
+    <a:masterClrMapping/>
+  </p:clrMapOvr>
+  <p:transition spd="slow">
+    <p:wipe/>
+  </p:transition>
+</p:sld>
+</file>
+
+<file path=ppt/slides/slide9.xml><?xml version="1.0" encoding="utf-8"?>
+<p:sld xmlns:a="http://schemas.openxmlformats.org/drawingml/2006/main" xmlns:r="http://schemas.openxmlformats.org/officeDocument/2006/relationships" xmlns:p="http://schemas.openxmlformats.org/presentationml/2006/main">
+  <p:cSld>
+    <p:spTree>
+      <p:nvGrpSpPr>
+        <p:cNvPr id="1" name=""/>
+        <p:cNvGrpSpPr/>
+        <p:nvPr/>
+      </p:nvGrpSpPr>
+      <p:grpSpPr>
+        <a:xfrm>
+          <a:off x="0" y="0"/>
+          <a:ext cx="0" cy="0"/>
+          <a:chOff x="0" y="0"/>
+          <a:chExt cx="0" cy="0"/>
+        </a:xfrm>
+      </p:grpSpPr>
+      <p:sp>
+        <p:nvSpPr>
+          <p:cNvPr id="4" name="Title 3"/>
+          <p:cNvSpPr>
+            <a:spLocks noGrp="1"/>
+          </p:cNvSpPr>
+          <p:nvPr>
+            <p:ph type="title"/>
+          </p:nvPr>
+        </p:nvSpPr>
+        <p:spPr>
+          <a:xfrm>
+            <a:off x="448965" y="65891"/>
+            <a:ext cx="6865787" cy="763525"/>
+          </a:xfrm>
+        </p:spPr>
+        <p:txBody>
+          <a:bodyPr>
+            <a:noAutofit/>
+          </a:bodyPr>
+          <a:lstStyle/>
+          <a:p>
+            <a:r>
+              <a:rPr lang="en-US" dirty="0">
+                <a:solidFill>
+                  <a:srgbClr val="002060"/>
+                </a:solidFill>
+              </a:rPr>
+              <a:t>Average PHQ-9 Per Season</a:t>
+            </a:r>
+          </a:p>
+        </p:txBody>
+      </p:sp>
+      <p:sp>
+        <p:nvSpPr>
+          <p:cNvPr id="3" name="AutoShape 2">
+            <a:extLst>
+              <a:ext uri="{FF2B5EF4-FFF2-40B4-BE49-F238E27FC236}">
+                <a16:creationId xmlns:a16="http://schemas.microsoft.com/office/drawing/2014/main" id="{DA5DA984-96CC-ED1D-27FC-1D7E37E6E8A5}"/>
+              </a:ext>
+            </a:extLst>
+          </p:cNvPr>
+          <p:cNvSpPr>
+            <a:spLocks noChangeAspect="1" noChangeArrowheads="1"/>
+          </p:cNvSpPr>
+          <p:nvPr/>
+        </p:nvSpPr>
+        <p:spPr bwMode="auto">
+          <a:xfrm>
+            <a:off x="4419600" y="2419350"/>
+            <a:ext cx="304800" cy="304800"/>
+          </a:xfrm>
+          <a:prstGeom prst="rect">
+            <a:avLst/>
+          </a:prstGeom>
+          <a:noFill/>
+          <a:extLst>
+            <a:ext uri="{909E8E84-426E-40DD-AFC4-6F175D3DCCD1}">
+              <a14:hiddenFill xmlns:a14="http://schemas.microsoft.com/office/drawing/2010/main">
+                <a:solidFill>
+                  <a:srgbClr val="FFFFFF"/>
+                </a:solidFill>
+              </a14:hiddenFill>
+            </a:ext>
+          </a:extLst>
+        </p:spPr>
+        <p:txBody>
+          <a:bodyPr vert="horz" wrap="square" lIns="91440" tIns="45720" rIns="91440" bIns="45720" numCol="1" anchor="t" anchorCtr="0" compatLnSpc="1">
+            <a:prstTxWarp prst="textNoShape">
+              <a:avLst/>
+            </a:prstTxWarp>
+          </a:bodyPr>
+          <a:lstStyle/>
+          <a:p>
+            <a:endParaRPr lang="en-US"/>
+          </a:p>
+        </p:txBody>
+      </p:sp>
+      <p:sp>
+        <p:nvSpPr>
+          <p:cNvPr id="5" name="AutoShape 4">
+            <a:extLst>
+              <a:ext uri="{FF2B5EF4-FFF2-40B4-BE49-F238E27FC236}">
+                <a16:creationId xmlns:a16="http://schemas.microsoft.com/office/drawing/2014/main" id="{0B9BB726-3D43-AC80-98F2-07B95E50F6C6}"/>
+              </a:ext>
+            </a:extLst>
+          </p:cNvPr>
+          <p:cNvSpPr>
+            <a:spLocks noChangeAspect="1" noChangeArrowheads="1"/>
+          </p:cNvSpPr>
+          <p:nvPr/>
+        </p:nvSpPr>
+        <p:spPr bwMode="auto">
+          <a:xfrm>
+            <a:off x="4572000" y="2571750"/>
+            <a:ext cx="304800" cy="304800"/>
+          </a:xfrm>
+          <a:prstGeom prst="rect">
+            <a:avLst/>
+          </a:prstGeom>
+          <a:noFill/>
+          <a:extLst>
+            <a:ext uri="{909E8E84-426E-40DD-AFC4-6F175D3DCCD1}">
+              <a14:hiddenFill xmlns:a14="http://schemas.microsoft.com/office/drawing/2010/main">
+                <a:solidFill>
+                  <a:srgbClr val="FFFFFF"/>
+                </a:solidFill>
+              </a14:hiddenFill>
+            </a:ext>
+          </a:extLst>
+        </p:spPr>
+        <p:txBody>
+          <a:bodyPr vert="horz" wrap="square" lIns="91440" tIns="45720" rIns="91440" bIns="45720" numCol="1" anchor="t" anchorCtr="0" compatLnSpc="1">
+            <a:prstTxWarp prst="textNoShape">
+              <a:avLst/>
+            </a:prstTxWarp>
+          </a:bodyPr>
+          <a:lstStyle/>
+          <a:p>
+            <a:endParaRPr lang="en-US"/>
+          </a:p>
+        </p:txBody>
+      </p:sp>
+      <p:pic>
+        <p:nvPicPr>
+          <p:cNvPr id="6" name="Picture 5">
+            <a:extLst>
+              <a:ext uri="{FF2B5EF4-FFF2-40B4-BE49-F238E27FC236}">
+                <a16:creationId xmlns:a16="http://schemas.microsoft.com/office/drawing/2014/main" id="{1AEDF84A-6EA6-D911-8404-E01298EE0010}"/>
+              </a:ext>
+            </a:extLst>
+          </p:cNvPr>
+          <p:cNvPicPr>
+            <a:picLocks noChangeAspect="1"/>
+          </p:cNvPicPr>
+          <p:nvPr/>
+        </p:nvPicPr>
+        <p:blipFill>
+          <a:blip r:embed="rId2">
+            <a:extLst>
+              <a:ext uri="{28A0092B-C50C-407E-A947-70E740481C1C}">
+                <a14:useLocalDpi xmlns:a14="http://schemas.microsoft.com/office/drawing/2010/main" val="0"/>
+              </a:ext>
+            </a:extLst>
+          </a:blip>
+          <a:stretch>
+            <a:fillRect/>
+          </a:stretch>
+        </p:blipFill>
+        <p:spPr>
+          <a:xfrm>
+            <a:off x="1212491" y="739291"/>
+            <a:ext cx="5802790" cy="4249032"/>
+          </a:xfrm>
+          <a:prstGeom prst="rect">
+            <a:avLst/>
+          </a:prstGeom>
+          <a:ln w="38100">
+            <a:solidFill>
+              <a:schemeClr val="tx2">
+                <a:lumMod val="60000"/>
+                <a:lumOff val="40000"/>
+              </a:schemeClr>
+            </a:solidFill>
+          </a:ln>
+        </p:spPr>
+      </p:pic>
+    </p:spTree>
+    <p:extLst>
+      <p:ext uri="{BB962C8B-B14F-4D97-AF65-F5344CB8AC3E}">
+        <p14:creationId xmlns:p14="http://schemas.microsoft.com/office/powerpoint/2010/main" val="613112062"/>
+      </p:ext>
+    </p:extLst>
+  </p:cSld>
+  <p:clrMapOvr>
+    <a:masterClrMapping/>
+  </p:clrMapOvr>
+  <p:transition spd="slow">
+    <p:wipe/>
+  </p:transition>
 </p:sld>
 </file>
 

--- a/PHQ9Analysis_Project1.pptx
+++ b/PHQ9Analysis_Project1.pptx
@@ -5,7 +5,7 @@
     <p:sldMasterId id="2147483648" r:id="rId1"/>
   </p:sldMasterIdLst>
   <p:notesMasterIdLst>
-    <p:notesMasterId r:id="rId19"/>
+    <p:notesMasterId r:id="rId21"/>
   </p:notesMasterIdLst>
   <p:sldIdLst>
     <p:sldId id="256" r:id="rId2"/>
@@ -17,14 +17,16 @@
     <p:sldId id="270" r:id="rId8"/>
     <p:sldId id="268" r:id="rId9"/>
     <p:sldId id="261" r:id="rId10"/>
-    <p:sldId id="276" r:id="rId11"/>
-    <p:sldId id="263" r:id="rId12"/>
-    <p:sldId id="269" r:id="rId13"/>
-    <p:sldId id="271" r:id="rId14"/>
-    <p:sldId id="274" r:id="rId15"/>
-    <p:sldId id="275" r:id="rId16"/>
-    <p:sldId id="273" r:id="rId17"/>
-    <p:sldId id="272" r:id="rId18"/>
+    <p:sldId id="277" r:id="rId11"/>
+    <p:sldId id="276" r:id="rId12"/>
+    <p:sldId id="263" r:id="rId13"/>
+    <p:sldId id="269" r:id="rId14"/>
+    <p:sldId id="279" r:id="rId15"/>
+    <p:sldId id="271" r:id="rId16"/>
+    <p:sldId id="274" r:id="rId17"/>
+    <p:sldId id="275" r:id="rId18"/>
+    <p:sldId id="273" r:id="rId19"/>
+    <p:sldId id="272" r:id="rId20"/>
   </p:sldIdLst>
   <p:sldSz cx="9144000" cy="5143500" type="screen16x9"/>
   <p:notesSz cx="6858000" cy="9144000"/>
@@ -224,7 +226,7 @@
           <a:p>
             <a:fld id="{C8D18E60-4300-4729-A0D7-6AB984C3922D}" type="datetimeFigureOut">
               <a:rPr lang="en-US" smtClean="0"/>
-              <a:t>11/5/23</a:t>
+              <a:t>11/6/23</a:t>
             </a:fld>
             <a:endParaRPr lang="en-US"/>
           </a:p>
@@ -710,7 +712,7 @@
             <a:fld id="{53074F12-AA26-4AC8-9962-C36BB8F32554}" type="datetimeFigureOut">
               <a:rPr lang="en-US" smtClean="0"/>
               <a:pPr/>
-              <a:t>11/5/23</a:t>
+              <a:t>11/6/23</a:t>
             </a:fld>
             <a:endParaRPr lang="en-US"/>
           </a:p>
@@ -967,7 +969,7 @@
             <a:fld id="{53074F12-AA26-4AC8-9962-C36BB8F32554}" type="datetimeFigureOut">
               <a:rPr lang="en-US" smtClean="0"/>
               <a:pPr/>
-              <a:t>11/5/23</a:t>
+              <a:t>11/6/23</a:t>
             </a:fld>
             <a:endParaRPr lang="en-US"/>
           </a:p>
@@ -1140,7 +1142,7 @@
             <a:fld id="{53074F12-AA26-4AC8-9962-C36BB8F32554}" type="datetimeFigureOut">
               <a:rPr lang="en-US" smtClean="0"/>
               <a:pPr/>
-              <a:t>11/5/23</a:t>
+              <a:t>11/6/23</a:t>
             </a:fld>
             <a:endParaRPr lang="en-US"/>
           </a:p>
@@ -1323,7 +1325,7 @@
             <a:fld id="{53074F12-AA26-4AC8-9962-C36BB8F32554}" type="datetimeFigureOut">
               <a:rPr lang="en-US" smtClean="0"/>
               <a:pPr/>
-              <a:t>11/5/23</a:t>
+              <a:t>11/6/23</a:t>
             </a:fld>
             <a:endParaRPr lang="en-US"/>
           </a:p>
@@ -1608,7 +1610,7 @@
             <a:fld id="{53074F12-AA26-4AC8-9962-C36BB8F32554}" type="datetimeFigureOut">
               <a:rPr lang="en-US" smtClean="0"/>
               <a:pPr/>
-              <a:t>11/5/23</a:t>
+              <a:t>11/6/23</a:t>
             </a:fld>
             <a:endParaRPr lang="en-US"/>
           </a:p>
@@ -1858,7 +1860,7 @@
             <a:fld id="{53074F12-AA26-4AC8-9962-C36BB8F32554}" type="datetimeFigureOut">
               <a:rPr lang="en-US" smtClean="0"/>
               <a:pPr/>
-              <a:t>11/5/23</a:t>
+              <a:t>11/6/23</a:t>
             </a:fld>
             <a:endParaRPr lang="en-US"/>
           </a:p>
@@ -2108,7 +2110,7 @@
             <a:fld id="{53074F12-AA26-4AC8-9962-C36BB8F32554}" type="datetimeFigureOut">
               <a:rPr lang="en-US" smtClean="0"/>
               <a:pPr/>
-              <a:t>11/5/23</a:t>
+              <a:t>11/6/23</a:t>
             </a:fld>
             <a:endParaRPr lang="en-US"/>
           </a:p>
@@ -2398,7 +2400,7 @@
             <a:fld id="{53074F12-AA26-4AC8-9962-C36BB8F32554}" type="datetimeFigureOut">
               <a:rPr lang="en-US" smtClean="0"/>
               <a:pPr/>
-              <a:t>11/5/23</a:t>
+              <a:t>11/6/23</a:t>
             </a:fld>
             <a:endParaRPr lang="en-US"/>
           </a:p>
@@ -2888,7 +2890,7 @@
             <a:fld id="{53074F12-AA26-4AC8-9962-C36BB8F32554}" type="datetimeFigureOut">
               <a:rPr lang="en-US" smtClean="0"/>
               <a:pPr/>
-              <a:t>11/5/23</a:t>
+              <a:t>11/6/23</a:t>
             </a:fld>
             <a:endParaRPr lang="en-US"/>
           </a:p>
@@ -3010,7 +3012,7 @@
             <a:fld id="{53074F12-AA26-4AC8-9962-C36BB8F32554}" type="datetimeFigureOut">
               <a:rPr lang="en-US" smtClean="0"/>
               <a:pPr/>
-              <a:t>11/5/23</a:t>
+              <a:t>11/6/23</a:t>
             </a:fld>
             <a:endParaRPr lang="en-US"/>
           </a:p>
@@ -3110,7 +3112,7 @@
             <a:fld id="{53074F12-AA26-4AC8-9962-C36BB8F32554}" type="datetimeFigureOut">
               <a:rPr lang="en-US" smtClean="0"/>
               <a:pPr/>
-              <a:t>11/5/23</a:t>
+              <a:t>11/6/23</a:t>
             </a:fld>
             <a:endParaRPr lang="en-US"/>
           </a:p>
@@ -3390,7 +3392,7 @@
             <a:fld id="{53074F12-AA26-4AC8-9962-C36BB8F32554}" type="datetimeFigureOut">
               <a:rPr lang="en-US" smtClean="0"/>
               <a:pPr/>
-              <a:t>11/5/23</a:t>
+              <a:t>11/6/23</a:t>
             </a:fld>
             <a:endParaRPr lang="en-US"/>
           </a:p>
@@ -3615,7 +3617,7 @@
             <a:fld id="{53074F12-AA26-4AC8-9962-C36BB8F32554}" type="datetimeFigureOut">
               <a:rPr lang="en-US" smtClean="0"/>
               <a:pPr/>
-              <a:t>11/5/23</a:t>
+              <a:t>11/6/23</a:t>
             </a:fld>
             <a:endParaRPr lang="en-US"/>
           </a:p>
@@ -4391,6 +4393,202 @@
         </p:nvSpPr>
         <p:spPr>
           <a:xfrm>
+            <a:off x="448965" y="65891"/>
+            <a:ext cx="6865787" cy="763525"/>
+          </a:xfrm>
+        </p:spPr>
+        <p:txBody>
+          <a:bodyPr>
+            <a:noAutofit/>
+          </a:bodyPr>
+          <a:lstStyle/>
+          <a:p>
+            <a:r>
+              <a:rPr lang="en-US" dirty="0">
+                <a:solidFill>
+                  <a:srgbClr val="002060"/>
+                </a:solidFill>
+              </a:rPr>
+              <a:t>Patient Health Questionnaire</a:t>
+            </a:r>
+          </a:p>
+        </p:txBody>
+      </p:sp>
+      <p:sp>
+        <p:nvSpPr>
+          <p:cNvPr id="3" name="AutoShape 2">
+            <a:extLst>
+              <a:ext uri="{FF2B5EF4-FFF2-40B4-BE49-F238E27FC236}">
+                <a16:creationId xmlns:a16="http://schemas.microsoft.com/office/drawing/2014/main" id="{DA5DA984-96CC-ED1D-27FC-1D7E37E6E8A5}"/>
+              </a:ext>
+            </a:extLst>
+          </p:cNvPr>
+          <p:cNvSpPr>
+            <a:spLocks noChangeAspect="1" noChangeArrowheads="1"/>
+          </p:cNvSpPr>
+          <p:nvPr/>
+        </p:nvSpPr>
+        <p:spPr bwMode="auto">
+          <a:xfrm>
+            <a:off x="4419600" y="2419350"/>
+            <a:ext cx="304800" cy="304800"/>
+          </a:xfrm>
+          <a:prstGeom prst="rect">
+            <a:avLst/>
+          </a:prstGeom>
+          <a:noFill/>
+          <a:extLst>
+            <a:ext uri="{909E8E84-426E-40DD-AFC4-6F175D3DCCD1}">
+              <a14:hiddenFill xmlns:a14="http://schemas.microsoft.com/office/drawing/2010/main">
+                <a:solidFill>
+                  <a:srgbClr val="FFFFFF"/>
+                </a:solidFill>
+              </a14:hiddenFill>
+            </a:ext>
+          </a:extLst>
+        </p:spPr>
+        <p:txBody>
+          <a:bodyPr vert="horz" wrap="square" lIns="91440" tIns="45720" rIns="91440" bIns="45720" numCol="1" anchor="t" anchorCtr="0" compatLnSpc="1">
+            <a:prstTxWarp prst="textNoShape">
+              <a:avLst/>
+            </a:prstTxWarp>
+          </a:bodyPr>
+          <a:lstStyle/>
+          <a:p>
+            <a:endParaRPr lang="en-US"/>
+          </a:p>
+        </p:txBody>
+      </p:sp>
+      <p:sp>
+        <p:nvSpPr>
+          <p:cNvPr id="5" name="AutoShape 4">
+            <a:extLst>
+              <a:ext uri="{FF2B5EF4-FFF2-40B4-BE49-F238E27FC236}">
+                <a16:creationId xmlns:a16="http://schemas.microsoft.com/office/drawing/2014/main" id="{0B9BB726-3D43-AC80-98F2-07B95E50F6C6}"/>
+              </a:ext>
+            </a:extLst>
+          </p:cNvPr>
+          <p:cNvSpPr>
+            <a:spLocks noChangeAspect="1" noChangeArrowheads="1"/>
+          </p:cNvSpPr>
+          <p:nvPr/>
+        </p:nvSpPr>
+        <p:spPr bwMode="auto">
+          <a:xfrm>
+            <a:off x="4572000" y="2571750"/>
+            <a:ext cx="304800" cy="304800"/>
+          </a:xfrm>
+          <a:prstGeom prst="rect">
+            <a:avLst/>
+          </a:prstGeom>
+          <a:noFill/>
+          <a:extLst>
+            <a:ext uri="{909E8E84-426E-40DD-AFC4-6F175D3DCCD1}">
+              <a14:hiddenFill xmlns:a14="http://schemas.microsoft.com/office/drawing/2010/main">
+                <a:solidFill>
+                  <a:srgbClr val="FFFFFF"/>
+                </a:solidFill>
+              </a14:hiddenFill>
+            </a:ext>
+          </a:extLst>
+        </p:spPr>
+        <p:txBody>
+          <a:bodyPr vert="horz" wrap="square" lIns="91440" tIns="45720" rIns="91440" bIns="45720" numCol="1" anchor="t" anchorCtr="0" compatLnSpc="1">
+            <a:prstTxWarp prst="textNoShape">
+              <a:avLst/>
+            </a:prstTxWarp>
+          </a:bodyPr>
+          <a:lstStyle/>
+          <a:p>
+            <a:endParaRPr lang="en-US"/>
+          </a:p>
+        </p:txBody>
+      </p:sp>
+      <p:pic>
+        <p:nvPicPr>
+          <p:cNvPr id="2" name="Content Placeholder 5">
+            <a:extLst>
+              <a:ext uri="{FF2B5EF4-FFF2-40B4-BE49-F238E27FC236}">
+                <a16:creationId xmlns:a16="http://schemas.microsoft.com/office/drawing/2014/main" id="{7900C0B4-02A5-BD75-12C0-685576D61916}"/>
+              </a:ext>
+            </a:extLst>
+          </p:cNvPr>
+          <p:cNvPicPr>
+            <a:picLocks noGrp="1" noChangeAspect="1"/>
+          </p:cNvPicPr>
+          <p:nvPr>
+            <p:ph idx="1"/>
+          </p:nvPr>
+        </p:nvPicPr>
+        <p:blipFill>
+          <a:blip r:embed="rId2">
+            <a:extLst>
+              <a:ext uri="{28A0092B-C50C-407E-A947-70E740481C1C}">
+                <a14:useLocalDpi xmlns:a14="http://schemas.microsoft.com/office/drawing/2010/main" val="0"/>
+              </a:ext>
+            </a:extLst>
+          </a:blip>
+          <a:stretch>
+            <a:fillRect/>
+          </a:stretch>
+        </p:blipFill>
+        <p:spPr>
+          <a:xfrm>
+            <a:off x="1823310" y="807643"/>
+            <a:ext cx="4581150" cy="4137813"/>
+          </a:xfrm>
+          <a:ln w="28575">
+            <a:solidFill>
+              <a:srgbClr val="0070C0"/>
+            </a:solidFill>
+          </a:ln>
+        </p:spPr>
+      </p:pic>
+    </p:spTree>
+    <p:extLst>
+      <p:ext uri="{BB962C8B-B14F-4D97-AF65-F5344CB8AC3E}">
+        <p14:creationId xmlns:p14="http://schemas.microsoft.com/office/powerpoint/2010/main" val="17053477"/>
+      </p:ext>
+    </p:extLst>
+  </p:cSld>
+  <p:clrMapOvr>
+    <a:masterClrMapping/>
+  </p:clrMapOvr>
+  <p:transition spd="slow">
+    <p:wipe/>
+  </p:transition>
+</p:sld>
+</file>
+
+<file path=ppt/slides/slide11.xml><?xml version="1.0" encoding="utf-8"?>
+<p:sld xmlns:a="http://schemas.openxmlformats.org/drawingml/2006/main" xmlns:r="http://schemas.openxmlformats.org/officeDocument/2006/relationships" xmlns:p="http://schemas.openxmlformats.org/presentationml/2006/main">
+  <p:cSld>
+    <p:spTree>
+      <p:nvGrpSpPr>
+        <p:cNvPr id="1" name=""/>
+        <p:cNvGrpSpPr/>
+        <p:nvPr/>
+      </p:nvGrpSpPr>
+      <p:grpSpPr>
+        <a:xfrm>
+          <a:off x="0" y="0"/>
+          <a:ext cx="0" cy="0"/>
+          <a:chOff x="0" y="0"/>
+          <a:chExt cx="0" cy="0"/>
+        </a:xfrm>
+      </p:grpSpPr>
+      <p:sp>
+        <p:nvSpPr>
+          <p:cNvPr id="4" name="Title 3"/>
+          <p:cNvSpPr>
+            <a:spLocks noGrp="1"/>
+          </p:cNvSpPr>
+          <p:nvPr>
+            <p:ph type="title"/>
+          </p:nvPr>
+        </p:nvSpPr>
+        <p:spPr>
+          <a:xfrm>
             <a:off x="498968" y="-71269"/>
             <a:ext cx="6865787" cy="763525"/>
           </a:xfrm>
@@ -4554,7 +4752,7 @@
 </p:sld>
 </file>
 
-<file path=ppt/slides/slide11.xml><?xml version="1.0" encoding="utf-8"?>
+<file path=ppt/slides/slide12.xml><?xml version="1.0" encoding="utf-8"?>
 <p:sld xmlns:a="http://schemas.openxmlformats.org/drawingml/2006/main" xmlns:r="http://schemas.openxmlformats.org/officeDocument/2006/relationships" xmlns:p="http://schemas.openxmlformats.org/presentationml/2006/main">
   <p:cSld>
     <p:spTree>
@@ -4666,7 +4864,7 @@
 </p:sld>
 </file>
 
-<file path=ppt/slides/slide12.xml><?xml version="1.0" encoding="utf-8"?>
+<file path=ppt/slides/slide13.xml><?xml version="1.0" encoding="utf-8"?>
 <p:sld xmlns:a="http://schemas.openxmlformats.org/drawingml/2006/main" xmlns:r="http://schemas.openxmlformats.org/officeDocument/2006/relationships" xmlns:p="http://schemas.openxmlformats.org/presentationml/2006/main">
   <p:cSld>
     <p:spTree>
@@ -4779,7 +4977,109 @@
 </p:sld>
 </file>
 
-<file path=ppt/slides/slide13.xml><?xml version="1.0" encoding="utf-8"?>
+<file path=ppt/slides/slide14.xml><?xml version="1.0" encoding="utf-8"?>
+<p:sld xmlns:a="http://schemas.openxmlformats.org/drawingml/2006/main" xmlns:r="http://schemas.openxmlformats.org/officeDocument/2006/relationships" xmlns:p="http://schemas.openxmlformats.org/presentationml/2006/main">
+  <p:cSld>
+    <p:spTree>
+      <p:nvGrpSpPr>
+        <p:cNvPr id="1" name=""/>
+        <p:cNvGrpSpPr/>
+        <p:nvPr/>
+      </p:nvGrpSpPr>
+      <p:grpSpPr>
+        <a:xfrm>
+          <a:off x="0" y="0"/>
+          <a:ext cx="0" cy="0"/>
+          <a:chOff x="0" y="0"/>
+          <a:chExt cx="0" cy="0"/>
+        </a:xfrm>
+      </p:grpSpPr>
+      <p:sp>
+        <p:nvSpPr>
+          <p:cNvPr id="2" name="Title 1"/>
+          <p:cNvSpPr>
+            <a:spLocks noGrp="1"/>
+          </p:cNvSpPr>
+          <p:nvPr>
+            <p:ph type="title"/>
+          </p:nvPr>
+        </p:nvSpPr>
+        <p:spPr>
+          <a:xfrm>
+            <a:off x="296855" y="128470"/>
+            <a:ext cx="8246070" cy="763524"/>
+          </a:xfrm>
+        </p:spPr>
+        <p:txBody>
+          <a:bodyPr>
+            <a:normAutofit/>
+          </a:bodyPr>
+          <a:lstStyle/>
+          <a:p>
+            <a:r>
+              <a:rPr lang="en-US" dirty="0"/>
+              <a:t>DEPRESSION SEVERITY AGE GROUP</a:t>
+            </a:r>
+          </a:p>
+        </p:txBody>
+      </p:sp>
+      <p:pic>
+        <p:nvPicPr>
+          <p:cNvPr id="7" name="Content Placeholder 6">
+            <a:extLst>
+              <a:ext uri="{FF2B5EF4-FFF2-40B4-BE49-F238E27FC236}">
+                <a16:creationId xmlns:a16="http://schemas.microsoft.com/office/drawing/2014/main" id="{35F08CF8-2F9E-8968-522A-F8846E931739}"/>
+              </a:ext>
+            </a:extLst>
+          </p:cNvPr>
+          <p:cNvPicPr>
+            <a:picLocks noGrp="1" noChangeAspect="1"/>
+          </p:cNvPicPr>
+          <p:nvPr>
+            <p:ph idx="1"/>
+          </p:nvPr>
+        </p:nvPicPr>
+        <p:blipFill>
+          <a:blip r:embed="rId2">
+            <a:extLst>
+              <a:ext uri="{28A0092B-C50C-407E-A947-70E740481C1C}">
+                <a14:useLocalDpi xmlns:a14="http://schemas.microsoft.com/office/drawing/2010/main" val="0"/>
+              </a:ext>
+            </a:extLst>
+          </a:blip>
+          <a:stretch>
+            <a:fillRect/>
+          </a:stretch>
+        </p:blipFill>
+        <p:spPr>
+          <a:xfrm>
+            <a:off x="296855" y="1502815"/>
+            <a:ext cx="8398180" cy="2901395"/>
+          </a:xfrm>
+          <a:ln w="38100">
+            <a:solidFill>
+              <a:srgbClr val="0070C0"/>
+            </a:solidFill>
+          </a:ln>
+        </p:spPr>
+      </p:pic>
+    </p:spTree>
+    <p:extLst>
+      <p:ext uri="{BB962C8B-B14F-4D97-AF65-F5344CB8AC3E}">
+        <p14:creationId xmlns:p14="http://schemas.microsoft.com/office/powerpoint/2010/main" val="3031724180"/>
+      </p:ext>
+    </p:extLst>
+  </p:cSld>
+  <p:clrMapOvr>
+    <a:masterClrMapping/>
+  </p:clrMapOvr>
+  <p:transition spd="slow">
+    <p:wipe/>
+  </p:transition>
+</p:sld>
+</file>
+
+<file path=ppt/slides/slide15.xml><?xml version="1.0" encoding="utf-8"?>
 <p:sld xmlns:a="http://schemas.openxmlformats.org/drawingml/2006/main" xmlns:r="http://schemas.openxmlformats.org/officeDocument/2006/relationships" xmlns:p="http://schemas.openxmlformats.org/presentationml/2006/main">
   <p:cSld>
     <p:spTree>
@@ -4886,7 +5186,7 @@
 </p:sld>
 </file>
 
-<file path=ppt/slides/slide14.xml><?xml version="1.0" encoding="utf-8"?>
+<file path=ppt/slides/slide16.xml><?xml version="1.0" encoding="utf-8"?>
 <p:sld xmlns:a="http://schemas.openxmlformats.org/drawingml/2006/main" xmlns:r="http://schemas.openxmlformats.org/officeDocument/2006/relationships" xmlns:p="http://schemas.openxmlformats.org/presentationml/2006/main">
   <p:cSld>
     <p:spTree>
@@ -5012,7 +5312,7 @@
 </p:sld>
 </file>
 
-<file path=ppt/slides/slide15.xml><?xml version="1.0" encoding="utf-8"?>
+<file path=ppt/slides/slide17.xml><?xml version="1.0" encoding="utf-8"?>
 <p:sld xmlns:a="http://schemas.openxmlformats.org/drawingml/2006/main" xmlns:r="http://schemas.openxmlformats.org/officeDocument/2006/relationships" xmlns:p="http://schemas.openxmlformats.org/presentationml/2006/main">
   <p:cSld>
     <p:spTree>
@@ -5124,7 +5424,7 @@
 </p:sld>
 </file>
 
-<file path=ppt/slides/slide16.xml><?xml version="1.0" encoding="utf-8"?>
+<file path=ppt/slides/slide18.xml><?xml version="1.0" encoding="utf-8"?>
 <p:sld xmlns:a="http://schemas.openxmlformats.org/drawingml/2006/main" xmlns:r="http://schemas.openxmlformats.org/officeDocument/2006/relationships" xmlns:p="http://schemas.openxmlformats.org/presentationml/2006/main">
   <p:cSld>
     <p:spTree>
@@ -5234,7 +5534,7 @@
 </p:sld>
 </file>
 
-<file path=ppt/slides/slide17.xml><?xml version="1.0" encoding="utf-8"?>
+<file path=ppt/slides/slide19.xml><?xml version="1.0" encoding="utf-8"?>
 <p:sld xmlns:a="http://schemas.openxmlformats.org/drawingml/2006/main" xmlns:r="http://schemas.openxmlformats.org/officeDocument/2006/relationships" xmlns:p="http://schemas.openxmlformats.org/presentationml/2006/main">
   <p:cSld>
     <p:spTree>

--- a/PHQ9Analysis_Project1.pptx
+++ b/PHQ9Analysis_Project1.pptx
@@ -6608,10 +6608,10 @@
       </p:sp>
       <p:pic>
         <p:nvPicPr>
-          <p:cNvPr id="6" name="Content Placeholder 5">
+          <p:cNvPr id="7" name="Content Placeholder 6">
             <a:extLst>
               <a:ext uri="{FF2B5EF4-FFF2-40B4-BE49-F238E27FC236}">
-                <a16:creationId xmlns:a16="http://schemas.microsoft.com/office/drawing/2014/main" id="{7664FCD6-927D-6437-2188-24CFA3EC08DA}"/>
+                <a16:creationId xmlns:a16="http://schemas.microsoft.com/office/drawing/2014/main" id="{88F5F617-EBDA-500E-2FA2-55C9550A8419}"/>
               </a:ext>
             </a:extLst>
           </p:cNvPr>
@@ -6636,9 +6636,17 @@
         </p:blipFill>
         <p:spPr>
           <a:xfrm>
-            <a:off x="449263" y="1960930"/>
-            <a:ext cx="8245475" cy="2137870"/>
+            <a:off x="449262" y="1808225"/>
+            <a:ext cx="8245475" cy="2176996"/>
           </a:xfrm>
+          <a:ln w="38100">
+            <a:solidFill>
+              <a:schemeClr val="tx2">
+                <a:lumMod val="60000"/>
+                <a:lumOff val="40000"/>
+              </a:schemeClr>
+            </a:solidFill>
+          </a:ln>
         </p:spPr>
       </p:pic>
     </p:spTree>
@@ -6700,10 +6708,10 @@
       </p:sp>
       <p:pic>
         <p:nvPicPr>
-          <p:cNvPr id="11" name="Content Placeholder 10">
+          <p:cNvPr id="6" name="Content Placeholder 5">
             <a:extLst>
               <a:ext uri="{FF2B5EF4-FFF2-40B4-BE49-F238E27FC236}">
-                <a16:creationId xmlns:a16="http://schemas.microsoft.com/office/drawing/2014/main" id="{863D614B-7D35-42F2-50A9-B9ADD2022875}"/>
+                <a16:creationId xmlns:a16="http://schemas.microsoft.com/office/drawing/2014/main" id="{30C7C41E-76AE-65DF-0568-5B12D60538EE}"/>
               </a:ext>
             </a:extLst>
           </p:cNvPr>
@@ -6728,45 +6736,14 @@
         </p:blipFill>
         <p:spPr>
           <a:xfrm>
-            <a:off x="1670605" y="1350110"/>
-            <a:ext cx="5955495" cy="3664920"/>
+            <a:off x="601670" y="1502815"/>
+            <a:ext cx="8245475" cy="2983247"/>
           </a:xfrm>
-          <a:prstGeom prst="rect">
-            <a:avLst/>
-          </a:prstGeom>
-          <a:solidFill>
-            <a:srgbClr val="FFFFFF">
-              <a:shade val="85000"/>
-            </a:srgbClr>
-          </a:solidFill>
-          <a:ln w="28575" cap="sq">
+          <a:ln w="38100">
             <a:solidFill>
-              <a:schemeClr val="tx2">
-                <a:lumMod val="60000"/>
-                <a:lumOff val="40000"/>
-              </a:schemeClr>
+              <a:srgbClr val="002060"/>
             </a:solidFill>
-            <a:miter lim="800000"/>
           </a:ln>
-          <a:effectLst>
-            <a:outerShdw blurRad="55000" dist="18000" dir="5400000" algn="tl" rotWithShape="0">
-              <a:srgbClr val="000000">
-                <a:alpha val="40000"/>
-              </a:srgbClr>
-            </a:outerShdw>
-          </a:effectLst>
-          <a:scene3d>
-            <a:camera prst="orthographicFront"/>
-            <a:lightRig rig="twoPt" dir="t">
-              <a:rot lat="0" lon="0" rev="7200000"/>
-            </a:lightRig>
-          </a:scene3d>
-          <a:sp3d>
-            <a:bevelT w="25400" h="19050"/>
-            <a:contourClr>
-              <a:srgbClr val="FFFFFF"/>
-            </a:contourClr>
-          </a:sp3d>
         </p:spPr>
       </p:pic>
     </p:spTree>

--- a/PHQ9Analysis_Project1.pptx
+++ b/PHQ9Analysis_Project1.pptx
@@ -10,14 +10,14 @@
   <p:sldIdLst>
     <p:sldId id="256" r:id="rId2"/>
     <p:sldId id="257" r:id="rId3"/>
-    <p:sldId id="264" r:id="rId4"/>
-    <p:sldId id="259" r:id="rId5"/>
-    <p:sldId id="265" r:id="rId6"/>
-    <p:sldId id="266" r:id="rId7"/>
-    <p:sldId id="270" r:id="rId8"/>
-    <p:sldId id="268" r:id="rId9"/>
-    <p:sldId id="261" r:id="rId10"/>
-    <p:sldId id="277" r:id="rId11"/>
+    <p:sldId id="277" r:id="rId4"/>
+    <p:sldId id="264" r:id="rId5"/>
+    <p:sldId id="259" r:id="rId6"/>
+    <p:sldId id="265" r:id="rId7"/>
+    <p:sldId id="266" r:id="rId8"/>
+    <p:sldId id="270" r:id="rId9"/>
+    <p:sldId id="268" r:id="rId10"/>
+    <p:sldId id="261" r:id="rId11"/>
     <p:sldId id="276" r:id="rId12"/>
     <p:sldId id="263" r:id="rId13"/>
     <p:sldId id="269" r:id="rId14"/>
@@ -4409,7 +4409,7 @@
                   <a:srgbClr val="002060"/>
                 </a:solidFill>
               </a:rPr>
-              <a:t>Patient Health Questionnaire</a:t>
+              <a:t>Average PHQ-9 Per Season</a:t>
             </a:r>
           </a:p>
         </p:txBody>
@@ -4506,19 +4506,17 @@
       </p:sp>
       <p:pic>
         <p:nvPicPr>
-          <p:cNvPr id="2" name="Content Placeholder 5">
+          <p:cNvPr id="6" name="Picture 5">
             <a:extLst>
               <a:ext uri="{FF2B5EF4-FFF2-40B4-BE49-F238E27FC236}">
-                <a16:creationId xmlns:a16="http://schemas.microsoft.com/office/drawing/2014/main" id="{7900C0B4-02A5-BD75-12C0-685576D61916}"/>
+                <a16:creationId xmlns:a16="http://schemas.microsoft.com/office/drawing/2014/main" id="{1AEDF84A-6EA6-D911-8404-E01298EE0010}"/>
               </a:ext>
             </a:extLst>
           </p:cNvPr>
           <p:cNvPicPr>
-            <a:picLocks noGrp="1" noChangeAspect="1"/>
+            <a:picLocks noChangeAspect="1"/>
           </p:cNvPicPr>
-          <p:nvPr>
-            <p:ph idx="1"/>
-          </p:nvPr>
+          <p:nvPr/>
         </p:nvPicPr>
         <p:blipFill>
           <a:blip r:embed="rId2">
@@ -4534,12 +4532,18 @@
         </p:blipFill>
         <p:spPr>
           <a:xfrm>
-            <a:off x="1823310" y="807643"/>
-            <a:ext cx="4581150" cy="4137813"/>
+            <a:off x="1212491" y="739291"/>
+            <a:ext cx="5802790" cy="4249032"/>
           </a:xfrm>
-          <a:ln w="28575">
+          <a:prstGeom prst="rect">
+            <a:avLst/>
+          </a:prstGeom>
+          <a:ln w="38100">
             <a:solidFill>
-              <a:srgbClr val="0070C0"/>
+              <a:schemeClr val="tx2">
+                <a:lumMod val="60000"/>
+                <a:lumOff val="40000"/>
+              </a:schemeClr>
             </a:solidFill>
           </a:ln>
         </p:spPr>
@@ -4547,7 +4551,7 @@
     </p:spTree>
     <p:extLst>
       <p:ext uri="{BB962C8B-B14F-4D97-AF65-F5344CB8AC3E}">
-        <p14:creationId xmlns:p14="http://schemas.microsoft.com/office/powerpoint/2010/main" val="17053477"/>
+        <p14:creationId xmlns:p14="http://schemas.microsoft.com/office/powerpoint/2010/main" val="613112062"/>
       </p:ext>
     </p:extLst>
   </p:cSld>
@@ -5515,6 +5519,113 @@
               <a:buChar char="•"/>
             </a:pPr>
             <a:endParaRPr lang="en-US" dirty="0"/>
+          </a:p>
+        </p:txBody>
+      </p:sp>
+      <p:sp>
+        <p:nvSpPr>
+          <p:cNvPr id="5" name="TextBox 4">
+            <a:extLst>
+              <a:ext uri="{FF2B5EF4-FFF2-40B4-BE49-F238E27FC236}">
+                <a16:creationId xmlns:a16="http://schemas.microsoft.com/office/drawing/2014/main" id="{0B114148-4D91-9AA8-24F2-BBDE38955389}"/>
+              </a:ext>
+            </a:extLst>
+          </p:cNvPr>
+          <p:cNvSpPr txBox="1"/>
+          <p:nvPr/>
+        </p:nvSpPr>
+        <p:spPr>
+          <a:xfrm>
+            <a:off x="601670" y="1502815"/>
+            <a:ext cx="4587902" cy="3108543"/>
+          </a:xfrm>
+          <a:prstGeom prst="rect">
+            <a:avLst/>
+          </a:prstGeom>
+          <a:noFill/>
+        </p:spPr>
+        <p:txBody>
+          <a:bodyPr wrap="square">
+            <a:spAutoFit/>
+          </a:bodyPr>
+          <a:lstStyle/>
+          <a:p>
+            <a:pPr marL="285750" indent="-285750">
+              <a:buFont typeface="Wingdings" pitchFamily="2" charset="2"/>
+              <a:buChar char="Ø"/>
+            </a:pPr>
+            <a:r>
+              <a:rPr lang="en-US" sz="1400" b="0" i="0" u="none" strike="noStrike" dirty="0">
+                <a:solidFill>
+                  <a:srgbClr val="002060"/>
+                </a:solidFill>
+                <a:effectLst/>
+                <a:latin typeface="-apple-system"/>
+              </a:rPr>
+              <a:t>This dataset show to be true with the the current hypothesis. Even though the differences in the statistic numbers might seem small, this can be explained due to the small sample size and short testing period. </a:t>
+            </a:r>
+          </a:p>
+          <a:p>
+            <a:pPr marL="285750" indent="-285750">
+              <a:buFont typeface="Wingdings" pitchFamily="2" charset="2"/>
+              <a:buChar char="Ø"/>
+            </a:pPr>
+            <a:endParaRPr lang="en-US" sz="1400" b="0" i="0" u="none" strike="noStrike" dirty="0">
+              <a:solidFill>
+                <a:srgbClr val="002060"/>
+              </a:solidFill>
+              <a:effectLst/>
+              <a:latin typeface="-apple-system"/>
+            </a:endParaRPr>
+          </a:p>
+          <a:p>
+            <a:pPr marL="285750" indent="-285750">
+              <a:buFont typeface="Wingdings" pitchFamily="2" charset="2"/>
+              <a:buChar char="Ø"/>
+            </a:pPr>
+            <a:r>
+              <a:rPr lang="en-US" sz="1400" b="0" i="0" u="none" strike="noStrike" dirty="0">
+                <a:solidFill>
+                  <a:srgbClr val="002060"/>
+                </a:solidFill>
+                <a:effectLst/>
+                <a:latin typeface="-apple-system"/>
+              </a:rPr>
+              <a:t>The consistent trend of higher depressive severity in the winter months compare to the summer months is seen throughout the data analysis. Gender identity and time period assessment was taken also played an important part in the depression fluctuation. </a:t>
+            </a:r>
+          </a:p>
+          <a:p>
+            <a:pPr marL="285750" indent="-285750">
+              <a:buFont typeface="Wingdings" pitchFamily="2" charset="2"/>
+              <a:buChar char="Ø"/>
+            </a:pPr>
+            <a:endParaRPr lang="en-US" sz="1400" dirty="0">
+              <a:solidFill>
+                <a:srgbClr val="002060"/>
+              </a:solidFill>
+              <a:latin typeface="-apple-system"/>
+            </a:endParaRPr>
+          </a:p>
+          <a:p>
+            <a:pPr marL="285750" indent="-285750">
+              <a:buFont typeface="Wingdings" pitchFamily="2" charset="2"/>
+              <a:buChar char="Ø"/>
+            </a:pPr>
+            <a:r>
+              <a:rPr lang="en-US" sz="1400" b="0" i="0" u="none" strike="noStrike" dirty="0">
+                <a:solidFill>
+                  <a:srgbClr val="002060"/>
+                </a:solidFill>
+                <a:effectLst/>
+                <a:latin typeface="-apple-system"/>
+              </a:rPr>
+              <a:t>Since there are many complex factors that could also influence mental health, a larger population size will allow for a more significant differences in the statistic.</a:t>
+            </a:r>
+            <a:endParaRPr lang="en-US" sz="1400" dirty="0">
+              <a:solidFill>
+                <a:srgbClr val="002060"/>
+              </a:solidFill>
+            </a:endParaRPr>
           </a:p>
         </p:txBody>
       </p:sp>
@@ -6115,6 +6226,202 @@
       </p:grpSpPr>
       <p:sp>
         <p:nvSpPr>
+          <p:cNvPr id="4" name="Title 3"/>
+          <p:cNvSpPr>
+            <a:spLocks noGrp="1"/>
+          </p:cNvSpPr>
+          <p:nvPr>
+            <p:ph type="title"/>
+          </p:nvPr>
+        </p:nvSpPr>
+        <p:spPr>
+          <a:xfrm>
+            <a:off x="448965" y="65891"/>
+            <a:ext cx="6865787" cy="763525"/>
+          </a:xfrm>
+        </p:spPr>
+        <p:txBody>
+          <a:bodyPr>
+            <a:noAutofit/>
+          </a:bodyPr>
+          <a:lstStyle/>
+          <a:p>
+            <a:r>
+              <a:rPr lang="en-US" dirty="0">
+                <a:solidFill>
+                  <a:srgbClr val="002060"/>
+                </a:solidFill>
+              </a:rPr>
+              <a:t>Patient Health Questionnaire</a:t>
+            </a:r>
+          </a:p>
+        </p:txBody>
+      </p:sp>
+      <p:sp>
+        <p:nvSpPr>
+          <p:cNvPr id="3" name="AutoShape 2">
+            <a:extLst>
+              <a:ext uri="{FF2B5EF4-FFF2-40B4-BE49-F238E27FC236}">
+                <a16:creationId xmlns:a16="http://schemas.microsoft.com/office/drawing/2014/main" id="{DA5DA984-96CC-ED1D-27FC-1D7E37E6E8A5}"/>
+              </a:ext>
+            </a:extLst>
+          </p:cNvPr>
+          <p:cNvSpPr>
+            <a:spLocks noChangeAspect="1" noChangeArrowheads="1"/>
+          </p:cNvSpPr>
+          <p:nvPr/>
+        </p:nvSpPr>
+        <p:spPr bwMode="auto">
+          <a:xfrm>
+            <a:off x="4419600" y="2419350"/>
+            <a:ext cx="304800" cy="304800"/>
+          </a:xfrm>
+          <a:prstGeom prst="rect">
+            <a:avLst/>
+          </a:prstGeom>
+          <a:noFill/>
+          <a:extLst>
+            <a:ext uri="{909E8E84-426E-40DD-AFC4-6F175D3DCCD1}">
+              <a14:hiddenFill xmlns:a14="http://schemas.microsoft.com/office/drawing/2010/main">
+                <a:solidFill>
+                  <a:srgbClr val="FFFFFF"/>
+                </a:solidFill>
+              </a14:hiddenFill>
+            </a:ext>
+          </a:extLst>
+        </p:spPr>
+        <p:txBody>
+          <a:bodyPr vert="horz" wrap="square" lIns="91440" tIns="45720" rIns="91440" bIns="45720" numCol="1" anchor="t" anchorCtr="0" compatLnSpc="1">
+            <a:prstTxWarp prst="textNoShape">
+              <a:avLst/>
+            </a:prstTxWarp>
+          </a:bodyPr>
+          <a:lstStyle/>
+          <a:p>
+            <a:endParaRPr lang="en-US"/>
+          </a:p>
+        </p:txBody>
+      </p:sp>
+      <p:sp>
+        <p:nvSpPr>
+          <p:cNvPr id="5" name="AutoShape 4">
+            <a:extLst>
+              <a:ext uri="{FF2B5EF4-FFF2-40B4-BE49-F238E27FC236}">
+                <a16:creationId xmlns:a16="http://schemas.microsoft.com/office/drawing/2014/main" id="{0B9BB726-3D43-AC80-98F2-07B95E50F6C6}"/>
+              </a:ext>
+            </a:extLst>
+          </p:cNvPr>
+          <p:cNvSpPr>
+            <a:spLocks noChangeAspect="1" noChangeArrowheads="1"/>
+          </p:cNvSpPr>
+          <p:nvPr/>
+        </p:nvSpPr>
+        <p:spPr bwMode="auto">
+          <a:xfrm>
+            <a:off x="4572000" y="2571750"/>
+            <a:ext cx="304800" cy="304800"/>
+          </a:xfrm>
+          <a:prstGeom prst="rect">
+            <a:avLst/>
+          </a:prstGeom>
+          <a:noFill/>
+          <a:extLst>
+            <a:ext uri="{909E8E84-426E-40DD-AFC4-6F175D3DCCD1}">
+              <a14:hiddenFill xmlns:a14="http://schemas.microsoft.com/office/drawing/2010/main">
+                <a:solidFill>
+                  <a:srgbClr val="FFFFFF"/>
+                </a:solidFill>
+              </a14:hiddenFill>
+            </a:ext>
+          </a:extLst>
+        </p:spPr>
+        <p:txBody>
+          <a:bodyPr vert="horz" wrap="square" lIns="91440" tIns="45720" rIns="91440" bIns="45720" numCol="1" anchor="t" anchorCtr="0" compatLnSpc="1">
+            <a:prstTxWarp prst="textNoShape">
+              <a:avLst/>
+            </a:prstTxWarp>
+          </a:bodyPr>
+          <a:lstStyle/>
+          <a:p>
+            <a:endParaRPr lang="en-US"/>
+          </a:p>
+        </p:txBody>
+      </p:sp>
+      <p:pic>
+        <p:nvPicPr>
+          <p:cNvPr id="2" name="Content Placeholder 5">
+            <a:extLst>
+              <a:ext uri="{FF2B5EF4-FFF2-40B4-BE49-F238E27FC236}">
+                <a16:creationId xmlns:a16="http://schemas.microsoft.com/office/drawing/2014/main" id="{7900C0B4-02A5-BD75-12C0-685576D61916}"/>
+              </a:ext>
+            </a:extLst>
+          </p:cNvPr>
+          <p:cNvPicPr>
+            <a:picLocks noGrp="1" noChangeAspect="1"/>
+          </p:cNvPicPr>
+          <p:nvPr>
+            <p:ph idx="1"/>
+          </p:nvPr>
+        </p:nvPicPr>
+        <p:blipFill>
+          <a:blip r:embed="rId2">
+            <a:extLst>
+              <a:ext uri="{28A0092B-C50C-407E-A947-70E740481C1C}">
+                <a14:useLocalDpi xmlns:a14="http://schemas.microsoft.com/office/drawing/2010/main" val="0"/>
+              </a:ext>
+            </a:extLst>
+          </a:blip>
+          <a:stretch>
+            <a:fillRect/>
+          </a:stretch>
+        </p:blipFill>
+        <p:spPr>
+          <a:xfrm>
+            <a:off x="1823310" y="807643"/>
+            <a:ext cx="4581150" cy="4137813"/>
+          </a:xfrm>
+          <a:ln w="28575">
+            <a:solidFill>
+              <a:srgbClr val="0070C0"/>
+            </a:solidFill>
+          </a:ln>
+        </p:spPr>
+      </p:pic>
+    </p:spTree>
+    <p:extLst>
+      <p:ext uri="{BB962C8B-B14F-4D97-AF65-F5344CB8AC3E}">
+        <p14:creationId xmlns:p14="http://schemas.microsoft.com/office/powerpoint/2010/main" val="17053477"/>
+      </p:ext>
+    </p:extLst>
+  </p:cSld>
+  <p:clrMapOvr>
+    <a:masterClrMapping/>
+  </p:clrMapOvr>
+  <p:transition spd="slow">
+    <p:wipe/>
+  </p:transition>
+</p:sld>
+</file>
+
+<file path=ppt/slides/slide4.xml><?xml version="1.0" encoding="utf-8"?>
+<p:sld xmlns:a="http://schemas.openxmlformats.org/drawingml/2006/main" xmlns:r="http://schemas.openxmlformats.org/officeDocument/2006/relationships" xmlns:p="http://schemas.openxmlformats.org/presentationml/2006/main">
+  <p:cSld>
+    <p:spTree>
+      <p:nvGrpSpPr>
+        <p:cNvPr id="1" name=""/>
+        <p:cNvGrpSpPr/>
+        <p:nvPr/>
+      </p:nvGrpSpPr>
+      <p:grpSpPr>
+        <a:xfrm>
+          <a:off x="0" y="0"/>
+          <a:ext cx="0" cy="0"/>
+          <a:chOff x="0" y="0"/>
+          <a:chExt cx="0" cy="0"/>
+        </a:xfrm>
+      </p:grpSpPr>
+      <p:sp>
+        <p:nvSpPr>
           <p:cNvPr id="2" name="Title 1"/>
           <p:cNvSpPr>
             <a:spLocks noGrp="1"/>
@@ -6208,7 +6515,7 @@
 </p:sld>
 </file>
 
-<file path=ppt/slides/slide4.xml><?xml version="1.0" encoding="utf-8"?>
+<file path=ppt/slides/slide5.xml><?xml version="1.0" encoding="utf-8"?>
 <p:sld xmlns:a="http://schemas.openxmlformats.org/drawingml/2006/main" xmlns:r="http://schemas.openxmlformats.org/officeDocument/2006/relationships" xmlns:p="http://schemas.openxmlformats.org/presentationml/2006/main">
   <p:cSld>
     <p:spTree>
@@ -6311,7 +6618,7 @@
 </p:sld>
 </file>
 
-<file path=ppt/slides/slide5.xml><?xml version="1.0" encoding="utf-8"?>
+<file path=ppt/slides/slide6.xml><?xml version="1.0" encoding="utf-8"?>
 <p:sld xmlns:a="http://schemas.openxmlformats.org/drawingml/2006/main" xmlns:r="http://schemas.openxmlformats.org/officeDocument/2006/relationships" xmlns:p="http://schemas.openxmlformats.org/presentationml/2006/main">
   <p:cSld>
     <p:spTree>
@@ -6465,7 +6772,7 @@
 </p:sld>
 </file>
 
-<file path=ppt/slides/slide6.xml><?xml version="1.0" encoding="utf-8"?>
+<file path=ppt/slides/slide7.xml><?xml version="1.0" encoding="utf-8"?>
 <p:sld xmlns:a="http://schemas.openxmlformats.org/drawingml/2006/main" xmlns:r="http://schemas.openxmlformats.org/officeDocument/2006/relationships" xmlns:p="http://schemas.openxmlformats.org/presentationml/2006/main">
   <p:cSld>
     <p:spTree>
@@ -6565,7 +6872,7 @@
 </p:sld>
 </file>
 
-<file path=ppt/slides/slide7.xml><?xml version="1.0" encoding="utf-8"?>
+<file path=ppt/slides/slide8.xml><?xml version="1.0" encoding="utf-8"?>
 <p:sld xmlns:a="http://schemas.openxmlformats.org/drawingml/2006/main" xmlns:r="http://schemas.openxmlformats.org/officeDocument/2006/relationships" xmlns:p="http://schemas.openxmlformats.org/presentationml/2006/main">
   <p:cSld>
     <p:spTree>
@@ -6665,7 +6972,7 @@
 </p:sld>
 </file>
 
-<file path=ppt/slides/slide8.xml><?xml version="1.0" encoding="utf-8"?>
+<file path=ppt/slides/slide9.xml><?xml version="1.0" encoding="utf-8"?>
 <p:sld xmlns:a="http://schemas.openxmlformats.org/drawingml/2006/main" xmlns:r="http://schemas.openxmlformats.org/officeDocument/2006/relationships" xmlns:p="http://schemas.openxmlformats.org/presentationml/2006/main">
   <p:cSld>
     <p:spTree>
@@ -6750,206 +7057,6 @@
     <p:extLst>
       <p:ext uri="{BB962C8B-B14F-4D97-AF65-F5344CB8AC3E}">
         <p14:creationId xmlns:p14="http://schemas.microsoft.com/office/powerpoint/2010/main" val="1882237040"/>
-      </p:ext>
-    </p:extLst>
-  </p:cSld>
-  <p:clrMapOvr>
-    <a:masterClrMapping/>
-  </p:clrMapOvr>
-  <p:transition spd="slow">
-    <p:wipe/>
-  </p:transition>
-</p:sld>
-</file>
-
-<file path=ppt/slides/slide9.xml><?xml version="1.0" encoding="utf-8"?>
-<p:sld xmlns:a="http://schemas.openxmlformats.org/drawingml/2006/main" xmlns:r="http://schemas.openxmlformats.org/officeDocument/2006/relationships" xmlns:p="http://schemas.openxmlformats.org/presentationml/2006/main">
-  <p:cSld>
-    <p:spTree>
-      <p:nvGrpSpPr>
-        <p:cNvPr id="1" name=""/>
-        <p:cNvGrpSpPr/>
-        <p:nvPr/>
-      </p:nvGrpSpPr>
-      <p:grpSpPr>
-        <a:xfrm>
-          <a:off x="0" y="0"/>
-          <a:ext cx="0" cy="0"/>
-          <a:chOff x="0" y="0"/>
-          <a:chExt cx="0" cy="0"/>
-        </a:xfrm>
-      </p:grpSpPr>
-      <p:sp>
-        <p:nvSpPr>
-          <p:cNvPr id="4" name="Title 3"/>
-          <p:cNvSpPr>
-            <a:spLocks noGrp="1"/>
-          </p:cNvSpPr>
-          <p:nvPr>
-            <p:ph type="title"/>
-          </p:nvPr>
-        </p:nvSpPr>
-        <p:spPr>
-          <a:xfrm>
-            <a:off x="448965" y="65891"/>
-            <a:ext cx="6865787" cy="763525"/>
-          </a:xfrm>
-        </p:spPr>
-        <p:txBody>
-          <a:bodyPr>
-            <a:noAutofit/>
-          </a:bodyPr>
-          <a:lstStyle/>
-          <a:p>
-            <a:r>
-              <a:rPr lang="en-US" dirty="0">
-                <a:solidFill>
-                  <a:srgbClr val="002060"/>
-                </a:solidFill>
-              </a:rPr>
-              <a:t>Average PHQ-9 Per Season</a:t>
-            </a:r>
-          </a:p>
-        </p:txBody>
-      </p:sp>
-      <p:sp>
-        <p:nvSpPr>
-          <p:cNvPr id="3" name="AutoShape 2">
-            <a:extLst>
-              <a:ext uri="{FF2B5EF4-FFF2-40B4-BE49-F238E27FC236}">
-                <a16:creationId xmlns:a16="http://schemas.microsoft.com/office/drawing/2014/main" id="{DA5DA984-96CC-ED1D-27FC-1D7E37E6E8A5}"/>
-              </a:ext>
-            </a:extLst>
-          </p:cNvPr>
-          <p:cNvSpPr>
-            <a:spLocks noChangeAspect="1" noChangeArrowheads="1"/>
-          </p:cNvSpPr>
-          <p:nvPr/>
-        </p:nvSpPr>
-        <p:spPr bwMode="auto">
-          <a:xfrm>
-            <a:off x="4419600" y="2419350"/>
-            <a:ext cx="304800" cy="304800"/>
-          </a:xfrm>
-          <a:prstGeom prst="rect">
-            <a:avLst/>
-          </a:prstGeom>
-          <a:noFill/>
-          <a:extLst>
-            <a:ext uri="{909E8E84-426E-40DD-AFC4-6F175D3DCCD1}">
-              <a14:hiddenFill xmlns:a14="http://schemas.microsoft.com/office/drawing/2010/main">
-                <a:solidFill>
-                  <a:srgbClr val="FFFFFF"/>
-                </a:solidFill>
-              </a14:hiddenFill>
-            </a:ext>
-          </a:extLst>
-        </p:spPr>
-        <p:txBody>
-          <a:bodyPr vert="horz" wrap="square" lIns="91440" tIns="45720" rIns="91440" bIns="45720" numCol="1" anchor="t" anchorCtr="0" compatLnSpc="1">
-            <a:prstTxWarp prst="textNoShape">
-              <a:avLst/>
-            </a:prstTxWarp>
-          </a:bodyPr>
-          <a:lstStyle/>
-          <a:p>
-            <a:endParaRPr lang="en-US"/>
-          </a:p>
-        </p:txBody>
-      </p:sp>
-      <p:sp>
-        <p:nvSpPr>
-          <p:cNvPr id="5" name="AutoShape 4">
-            <a:extLst>
-              <a:ext uri="{FF2B5EF4-FFF2-40B4-BE49-F238E27FC236}">
-                <a16:creationId xmlns:a16="http://schemas.microsoft.com/office/drawing/2014/main" id="{0B9BB726-3D43-AC80-98F2-07B95E50F6C6}"/>
-              </a:ext>
-            </a:extLst>
-          </p:cNvPr>
-          <p:cNvSpPr>
-            <a:spLocks noChangeAspect="1" noChangeArrowheads="1"/>
-          </p:cNvSpPr>
-          <p:nvPr/>
-        </p:nvSpPr>
-        <p:spPr bwMode="auto">
-          <a:xfrm>
-            <a:off x="4572000" y="2571750"/>
-            <a:ext cx="304800" cy="304800"/>
-          </a:xfrm>
-          <a:prstGeom prst="rect">
-            <a:avLst/>
-          </a:prstGeom>
-          <a:noFill/>
-          <a:extLst>
-            <a:ext uri="{909E8E84-426E-40DD-AFC4-6F175D3DCCD1}">
-              <a14:hiddenFill xmlns:a14="http://schemas.microsoft.com/office/drawing/2010/main">
-                <a:solidFill>
-                  <a:srgbClr val="FFFFFF"/>
-                </a:solidFill>
-              </a14:hiddenFill>
-            </a:ext>
-          </a:extLst>
-        </p:spPr>
-        <p:txBody>
-          <a:bodyPr vert="horz" wrap="square" lIns="91440" tIns="45720" rIns="91440" bIns="45720" numCol="1" anchor="t" anchorCtr="0" compatLnSpc="1">
-            <a:prstTxWarp prst="textNoShape">
-              <a:avLst/>
-            </a:prstTxWarp>
-          </a:bodyPr>
-          <a:lstStyle/>
-          <a:p>
-            <a:endParaRPr lang="en-US"/>
-          </a:p>
-        </p:txBody>
-      </p:sp>
-      <p:pic>
-        <p:nvPicPr>
-          <p:cNvPr id="6" name="Picture 5">
-            <a:extLst>
-              <a:ext uri="{FF2B5EF4-FFF2-40B4-BE49-F238E27FC236}">
-                <a16:creationId xmlns:a16="http://schemas.microsoft.com/office/drawing/2014/main" id="{1AEDF84A-6EA6-D911-8404-E01298EE0010}"/>
-              </a:ext>
-            </a:extLst>
-          </p:cNvPr>
-          <p:cNvPicPr>
-            <a:picLocks noChangeAspect="1"/>
-          </p:cNvPicPr>
-          <p:nvPr/>
-        </p:nvPicPr>
-        <p:blipFill>
-          <a:blip r:embed="rId2">
-            <a:extLst>
-              <a:ext uri="{28A0092B-C50C-407E-A947-70E740481C1C}">
-                <a14:useLocalDpi xmlns:a14="http://schemas.microsoft.com/office/drawing/2010/main" val="0"/>
-              </a:ext>
-            </a:extLst>
-          </a:blip>
-          <a:stretch>
-            <a:fillRect/>
-          </a:stretch>
-        </p:blipFill>
-        <p:spPr>
-          <a:xfrm>
-            <a:off x="1212491" y="739291"/>
-            <a:ext cx="5802790" cy="4249032"/>
-          </a:xfrm>
-          <a:prstGeom prst="rect">
-            <a:avLst/>
-          </a:prstGeom>
-          <a:ln w="38100">
-            <a:solidFill>
-              <a:schemeClr val="tx2">
-                <a:lumMod val="60000"/>
-                <a:lumOff val="40000"/>
-              </a:schemeClr>
-            </a:solidFill>
-          </a:ln>
-        </p:spPr>
-      </p:pic>
-    </p:spTree>
-    <p:extLst>
-      <p:ext uri="{BB962C8B-B14F-4D97-AF65-F5344CB8AC3E}">
-        <p14:creationId xmlns:p14="http://schemas.microsoft.com/office/powerpoint/2010/main" val="613112062"/>
       </p:ext>
     </p:extLst>
   </p:cSld>
